--- a/doc/Xây dựng ứng dụng phân loại Bài Báo.pptx
+++ b/doc/Xây dựng ứng dụng phân loại Bài Báo.pptx
@@ -114,6 +114,11 @@
       </a:defRPr>
     </a:lvl9pPr>
   </p:defaultTextStyle>
+  <p:extLst>
+    <p:ext uri="{EFAFB233-063F-42B5-8137-9DF3F51BA10A}">
+      <p15:sldGuideLst xmlns:p15="http://schemas.microsoft.com/office/powerpoint/2012/main"/>
+    </p:ext>
+  </p:extLst>
 </p:presentation>
 </file>
 
@@ -167,7 +172,7 @@
           <a:noFill/>
           <a:extLst>
             <a:ext uri="{909E8E84-426E-40dd-AFC4-6F175D3DCCD1}">
-              <a14:hiddenFill xmlns:a14="http://schemas.microsoft.com/office/drawing/2010/main" xmlns="">
+              <a14:hiddenFill xmlns="" xmlns:a14="http://schemas.microsoft.com/office/drawing/2010/main">
                 <a:solidFill>
                   <a:srgbClr val="FFFFFF"/>
                 </a:solidFill>
@@ -227,7 +232,7 @@
             </a:ln>
             <a:extLst>
               <a:ext uri="{91240B29-F687-4f45-9708-019B960494DF}">
-                <a14:hiddenLine xmlns:a14="http://schemas.microsoft.com/office/drawing/2010/main" xmlns="" w="9525">
+                <a14:hiddenLine xmlns="" xmlns:a14="http://schemas.microsoft.com/office/drawing/2010/main" w="9525">
                   <a:solidFill>
                     <a:srgbClr val="000000"/>
                   </a:solidFill>
@@ -317,7 +322,7 @@
             </a:ln>
             <a:extLst>
               <a:ext uri="{91240B29-F687-4f45-9708-019B960494DF}">
-                <a14:hiddenLine xmlns:a14="http://schemas.microsoft.com/office/drawing/2010/main" xmlns="" w="9525">
+                <a14:hiddenLine xmlns="" xmlns:a14="http://schemas.microsoft.com/office/drawing/2010/main" w="9525">
                   <a:solidFill>
                     <a:srgbClr val="000000"/>
                   </a:solidFill>
@@ -407,7 +412,7 @@
             </a:ln>
             <a:extLst>
               <a:ext uri="{91240B29-F687-4f45-9708-019B960494DF}">
-                <a14:hiddenLine xmlns:a14="http://schemas.microsoft.com/office/drawing/2010/main" xmlns="" w="9525">
+                <a14:hiddenLine xmlns="" xmlns:a14="http://schemas.microsoft.com/office/drawing/2010/main" w="9525">
                   <a:solidFill>
                     <a:srgbClr val="000000"/>
                   </a:solidFill>
@@ -441,7 +446,7 @@
             </a:ln>
             <a:extLst>
               <a:ext uri="{91240B29-F687-4f45-9708-019B960494DF}">
-                <a14:hiddenLine xmlns:a14="http://schemas.microsoft.com/office/drawing/2010/main" xmlns="" w="9525">
+                <a14:hiddenLine xmlns="" xmlns:a14="http://schemas.microsoft.com/office/drawing/2010/main" w="9525">
                   <a:solidFill>
                     <a:srgbClr val="000000"/>
                   </a:solidFill>
@@ -531,7 +536,7 @@
             </a:ln>
             <a:extLst>
               <a:ext uri="{91240B29-F687-4f45-9708-019B960494DF}">
-                <a14:hiddenLine xmlns:a14="http://schemas.microsoft.com/office/drawing/2010/main" xmlns="" w="9525">
+                <a14:hiddenLine xmlns="" xmlns:a14="http://schemas.microsoft.com/office/drawing/2010/main" w="9525">
                   <a:solidFill>
                     <a:srgbClr val="000000"/>
                   </a:solidFill>
@@ -593,7 +598,7 @@
             </a:ln>
             <a:extLst>
               <a:ext uri="{91240B29-F687-4f45-9708-019B960494DF}">
-                <a14:hiddenLine xmlns:a14="http://schemas.microsoft.com/office/drawing/2010/main" xmlns="" w="9525">
+                <a14:hiddenLine xmlns="" xmlns:a14="http://schemas.microsoft.com/office/drawing/2010/main" w="9525">
                   <a:solidFill>
                     <a:srgbClr val="000000"/>
                   </a:solidFill>
@@ -655,7 +660,7 @@
             </a:ln>
             <a:extLst>
               <a:ext uri="{91240B29-F687-4f45-9708-019B960494DF}">
-                <a14:hiddenLine xmlns:a14="http://schemas.microsoft.com/office/drawing/2010/main" xmlns="" w="9525">
+                <a14:hiddenLine xmlns="" xmlns:a14="http://schemas.microsoft.com/office/drawing/2010/main" w="9525">
                   <a:solidFill>
                     <a:srgbClr val="000000"/>
                   </a:solidFill>
@@ -745,7 +750,7 @@
             </a:ln>
             <a:extLst>
               <a:ext uri="{91240B29-F687-4f45-9708-019B960494DF}">
-                <a14:hiddenLine xmlns:a14="http://schemas.microsoft.com/office/drawing/2010/main" xmlns="" w="9525">
+                <a14:hiddenLine xmlns="" xmlns:a14="http://schemas.microsoft.com/office/drawing/2010/main" w="9525">
                   <a:solidFill>
                     <a:srgbClr val="000000"/>
                   </a:solidFill>
@@ -807,7 +812,7 @@
             </a:ln>
             <a:extLst>
               <a:ext uri="{91240B29-F687-4f45-9708-019B960494DF}">
-                <a14:hiddenLine xmlns:a14="http://schemas.microsoft.com/office/drawing/2010/main" xmlns="" w="9525">
+                <a14:hiddenLine xmlns="" xmlns:a14="http://schemas.microsoft.com/office/drawing/2010/main" w="9525">
                   <a:solidFill>
                     <a:srgbClr val="000000"/>
                   </a:solidFill>
@@ -869,7 +874,7 @@
             </a:ln>
             <a:extLst>
               <a:ext uri="{91240B29-F687-4f45-9708-019B960494DF}">
-                <a14:hiddenLine xmlns:a14="http://schemas.microsoft.com/office/drawing/2010/main" xmlns="" w="9525">
+                <a14:hiddenLine xmlns="" xmlns:a14="http://schemas.microsoft.com/office/drawing/2010/main" w="9525">
                   <a:solidFill>
                     <a:srgbClr val="000000"/>
                   </a:solidFill>
@@ -959,7 +964,7 @@
             </a:ln>
             <a:extLst>
               <a:ext uri="{91240B29-F687-4f45-9708-019B960494DF}">
-                <a14:hiddenLine xmlns:a14="http://schemas.microsoft.com/office/drawing/2010/main" xmlns="" w="9525">
+                <a14:hiddenLine xmlns="" xmlns:a14="http://schemas.microsoft.com/office/drawing/2010/main" w="9525">
                   <a:solidFill>
                     <a:srgbClr val="000000"/>
                   </a:solidFill>
@@ -1049,7 +1054,7 @@
             </a:ln>
             <a:extLst>
               <a:ext uri="{91240B29-F687-4f45-9708-019B960494DF}">
-                <a14:hiddenLine xmlns:a14="http://schemas.microsoft.com/office/drawing/2010/main" xmlns="" w="9525">
+                <a14:hiddenLine xmlns="" xmlns:a14="http://schemas.microsoft.com/office/drawing/2010/main" w="9525">
                   <a:solidFill>
                     <a:srgbClr val="000000"/>
                   </a:solidFill>
@@ -1111,7 +1116,7 @@
             </a:ln>
             <a:extLst>
               <a:ext uri="{91240B29-F687-4f45-9708-019B960494DF}">
-                <a14:hiddenLine xmlns:a14="http://schemas.microsoft.com/office/drawing/2010/main" xmlns="" w="9525">
+                <a14:hiddenLine xmlns="" xmlns:a14="http://schemas.microsoft.com/office/drawing/2010/main" w="9525">
                   <a:solidFill>
                     <a:srgbClr val="000000"/>
                   </a:solidFill>
@@ -1221,7 +1226,7 @@
             </a:ln>
             <a:extLst>
               <a:ext uri="{91240B29-F687-4f45-9708-019B960494DF}">
-                <a14:hiddenLine xmlns:a14="http://schemas.microsoft.com/office/drawing/2010/main" xmlns="" w="9525">
+                <a14:hiddenLine xmlns="" xmlns:a14="http://schemas.microsoft.com/office/drawing/2010/main" w="9525">
                   <a:solidFill>
                     <a:srgbClr val="000000"/>
                   </a:solidFill>
@@ -1283,7 +1288,7 @@
             </a:ln>
             <a:extLst>
               <a:ext uri="{91240B29-F687-4f45-9708-019B960494DF}">
-                <a14:hiddenLine xmlns:a14="http://schemas.microsoft.com/office/drawing/2010/main" xmlns="" w="9525">
+                <a14:hiddenLine xmlns="" xmlns:a14="http://schemas.microsoft.com/office/drawing/2010/main" w="9525">
                   <a:solidFill>
                     <a:srgbClr val="000000"/>
                   </a:solidFill>
@@ -1373,7 +1378,7 @@
             </a:ln>
             <a:extLst>
               <a:ext uri="{91240B29-F687-4f45-9708-019B960494DF}">
-                <a14:hiddenLine xmlns:a14="http://schemas.microsoft.com/office/drawing/2010/main" xmlns="" w="9525">
+                <a14:hiddenLine xmlns="" xmlns:a14="http://schemas.microsoft.com/office/drawing/2010/main" w="9525">
                   <a:solidFill>
                     <a:srgbClr val="000000"/>
                   </a:solidFill>
@@ -1463,7 +1468,7 @@
             </a:ln>
             <a:extLst>
               <a:ext uri="{91240B29-F687-4f45-9708-019B960494DF}">
-                <a14:hiddenLine xmlns:a14="http://schemas.microsoft.com/office/drawing/2010/main" xmlns="" w="9525">
+                <a14:hiddenLine xmlns="" xmlns:a14="http://schemas.microsoft.com/office/drawing/2010/main" w="9525">
                   <a:solidFill>
                     <a:srgbClr val="000000"/>
                   </a:solidFill>
@@ -1525,7 +1530,7 @@
             </a:ln>
             <a:extLst>
               <a:ext uri="{91240B29-F687-4f45-9708-019B960494DF}">
-                <a14:hiddenLine xmlns:a14="http://schemas.microsoft.com/office/drawing/2010/main" xmlns="" w="9525">
+                <a14:hiddenLine xmlns="" xmlns:a14="http://schemas.microsoft.com/office/drawing/2010/main" w="9525">
                   <a:solidFill>
                     <a:srgbClr val="000000"/>
                   </a:solidFill>
@@ -1615,7 +1620,7 @@
             </a:ln>
             <a:extLst>
               <a:ext uri="{91240B29-F687-4f45-9708-019B960494DF}">
-                <a14:hiddenLine xmlns:a14="http://schemas.microsoft.com/office/drawing/2010/main" xmlns="" w="9525">
+                <a14:hiddenLine xmlns="" xmlns:a14="http://schemas.microsoft.com/office/drawing/2010/main" w="9525">
                   <a:solidFill>
                     <a:srgbClr val="000000"/>
                   </a:solidFill>
@@ -1705,7 +1710,7 @@
             </a:ln>
             <a:extLst>
               <a:ext uri="{91240B29-F687-4f45-9708-019B960494DF}">
-                <a14:hiddenLine xmlns:a14="http://schemas.microsoft.com/office/drawing/2010/main" xmlns="" w="9525">
+                <a14:hiddenLine xmlns="" xmlns:a14="http://schemas.microsoft.com/office/drawing/2010/main" w="9525">
                   <a:solidFill>
                     <a:srgbClr val="000000"/>
                   </a:solidFill>
@@ -1761,7 +1766,7 @@
             </a:ln>
             <a:extLst>
               <a:ext uri="{91240B29-F687-4f45-9708-019B960494DF}">
-                <a14:hiddenLine xmlns:a14="http://schemas.microsoft.com/office/drawing/2010/main" xmlns="" w="9525">
+                <a14:hiddenLine xmlns="" xmlns:a14="http://schemas.microsoft.com/office/drawing/2010/main" w="9525">
                   <a:solidFill>
                     <a:srgbClr val="000000"/>
                   </a:solidFill>
@@ -1851,7 +1856,7 @@
             </a:ln>
             <a:extLst>
               <a:ext uri="{91240B29-F687-4f45-9708-019B960494DF}">
-                <a14:hiddenLine xmlns:a14="http://schemas.microsoft.com/office/drawing/2010/main" xmlns="" w="9525">
+                <a14:hiddenLine xmlns="" xmlns:a14="http://schemas.microsoft.com/office/drawing/2010/main" w="9525">
                   <a:solidFill>
                     <a:srgbClr val="000000"/>
                   </a:solidFill>
@@ -1907,7 +1912,7 @@
             </a:ln>
             <a:extLst>
               <a:ext uri="{91240B29-F687-4f45-9708-019B960494DF}">
-                <a14:hiddenLine xmlns:a14="http://schemas.microsoft.com/office/drawing/2010/main" xmlns="" w="9525">
+                <a14:hiddenLine xmlns="" xmlns:a14="http://schemas.microsoft.com/office/drawing/2010/main" w="9525">
                   <a:solidFill>
                     <a:srgbClr val="000000"/>
                   </a:solidFill>
@@ -1997,7 +2002,7 @@
             </a:ln>
             <a:extLst>
               <a:ext uri="{91240B29-F687-4f45-9708-019B960494DF}">
-                <a14:hiddenLine xmlns:a14="http://schemas.microsoft.com/office/drawing/2010/main" xmlns="" w="9525">
+                <a14:hiddenLine xmlns="" xmlns:a14="http://schemas.microsoft.com/office/drawing/2010/main" w="9525">
                   <a:solidFill>
                     <a:srgbClr val="000000"/>
                   </a:solidFill>
@@ -2065,7 +2070,7 @@
             </a:ln>
             <a:extLst>
               <a:ext uri="{91240B29-F687-4f45-9708-019B960494DF}">
-                <a14:hiddenLine xmlns:a14="http://schemas.microsoft.com/office/drawing/2010/main" xmlns="" w="9525">
+                <a14:hiddenLine xmlns="" xmlns:a14="http://schemas.microsoft.com/office/drawing/2010/main" w="9525">
                   <a:solidFill>
                     <a:srgbClr val="000000"/>
                   </a:solidFill>
@@ -2155,7 +2160,7 @@
             </a:ln>
             <a:extLst>
               <a:ext uri="{91240B29-F687-4f45-9708-019B960494DF}">
-                <a14:hiddenLine xmlns:a14="http://schemas.microsoft.com/office/drawing/2010/main" xmlns="" w="9525">
+                <a14:hiddenLine xmlns="" xmlns:a14="http://schemas.microsoft.com/office/drawing/2010/main" w="9525">
                   <a:solidFill>
                     <a:srgbClr val="000000"/>
                   </a:solidFill>
@@ -2223,7 +2228,7 @@
             </a:ln>
             <a:extLst>
               <a:ext uri="{91240B29-F687-4f45-9708-019B960494DF}">
-                <a14:hiddenLine xmlns:a14="http://schemas.microsoft.com/office/drawing/2010/main" xmlns="" w="9525">
+                <a14:hiddenLine xmlns="" xmlns:a14="http://schemas.microsoft.com/office/drawing/2010/main" w="9525">
                   <a:solidFill>
                     <a:srgbClr val="000000"/>
                   </a:solidFill>
@@ -2313,7 +2318,7 @@
             </a:ln>
             <a:extLst>
               <a:ext uri="{91240B29-F687-4f45-9708-019B960494DF}">
-                <a14:hiddenLine xmlns:a14="http://schemas.microsoft.com/office/drawing/2010/main" xmlns="" w="9525">
+                <a14:hiddenLine xmlns="" xmlns:a14="http://schemas.microsoft.com/office/drawing/2010/main" w="9525">
                   <a:solidFill>
                     <a:srgbClr val="000000"/>
                   </a:solidFill>
@@ -2347,7 +2352,7 @@
             </a:ln>
             <a:extLst>
               <a:ext uri="{91240B29-F687-4f45-9708-019B960494DF}">
-                <a14:hiddenLine xmlns:a14="http://schemas.microsoft.com/office/drawing/2010/main" xmlns="" w="9525">
+                <a14:hiddenLine xmlns="" xmlns:a14="http://schemas.microsoft.com/office/drawing/2010/main" w="9525">
                   <a:solidFill>
                     <a:srgbClr val="000000"/>
                   </a:solidFill>
@@ -2437,7 +2442,7 @@
             </a:ln>
             <a:extLst>
               <a:ext uri="{91240B29-F687-4f45-9708-019B960494DF}">
-                <a14:hiddenLine xmlns:a14="http://schemas.microsoft.com/office/drawing/2010/main" xmlns="" w="9525">
+                <a14:hiddenLine xmlns="" xmlns:a14="http://schemas.microsoft.com/office/drawing/2010/main" w="9525">
                   <a:solidFill>
                     <a:srgbClr val="000000"/>
                   </a:solidFill>
@@ -2499,7 +2504,7 @@
             </a:ln>
             <a:extLst>
               <a:ext uri="{91240B29-F687-4f45-9708-019B960494DF}">
-                <a14:hiddenLine xmlns:a14="http://schemas.microsoft.com/office/drawing/2010/main" xmlns="" w="9525">
+                <a14:hiddenLine xmlns="" xmlns:a14="http://schemas.microsoft.com/office/drawing/2010/main" w="9525">
                   <a:solidFill>
                     <a:srgbClr val="000000"/>
                   </a:solidFill>
@@ -2561,7 +2566,7 @@
             </a:ln>
             <a:extLst>
               <a:ext uri="{91240B29-F687-4f45-9708-019B960494DF}">
-                <a14:hiddenLine xmlns:a14="http://schemas.microsoft.com/office/drawing/2010/main" xmlns="" w="9525">
+                <a14:hiddenLine xmlns="" xmlns:a14="http://schemas.microsoft.com/office/drawing/2010/main" w="9525">
                   <a:solidFill>
                     <a:srgbClr val="000000"/>
                   </a:solidFill>
@@ -2651,7 +2656,7 @@
             </a:ln>
             <a:extLst>
               <a:ext uri="{91240B29-F687-4f45-9708-019B960494DF}">
-                <a14:hiddenLine xmlns:a14="http://schemas.microsoft.com/office/drawing/2010/main" xmlns="" w="9525">
+                <a14:hiddenLine xmlns="" xmlns:a14="http://schemas.microsoft.com/office/drawing/2010/main" w="9525">
                   <a:solidFill>
                     <a:srgbClr val="000000"/>
                   </a:solidFill>
@@ -2719,7 +2724,7 @@
             </a:ln>
             <a:extLst>
               <a:ext uri="{91240B29-F687-4f45-9708-019B960494DF}">
-                <a14:hiddenLine xmlns:a14="http://schemas.microsoft.com/office/drawing/2010/main" xmlns="" w="9525">
+                <a14:hiddenLine xmlns="" xmlns:a14="http://schemas.microsoft.com/office/drawing/2010/main" w="9525">
                   <a:solidFill>
                     <a:srgbClr val="000000"/>
                   </a:solidFill>
@@ -2781,7 +2786,7 @@
             </a:ln>
             <a:extLst>
               <a:ext uri="{91240B29-F687-4f45-9708-019B960494DF}">
-                <a14:hiddenLine xmlns:a14="http://schemas.microsoft.com/office/drawing/2010/main" xmlns="" w="9525">
+                <a14:hiddenLine xmlns="" xmlns:a14="http://schemas.microsoft.com/office/drawing/2010/main" w="9525">
                   <a:solidFill>
                     <a:srgbClr val="000000"/>
                   </a:solidFill>
@@ -2871,7 +2876,7 @@
             </a:ln>
             <a:extLst>
               <a:ext uri="{91240B29-F687-4f45-9708-019B960494DF}">
-                <a14:hiddenLine xmlns:a14="http://schemas.microsoft.com/office/drawing/2010/main" xmlns="" w="9525">
+                <a14:hiddenLine xmlns="" xmlns:a14="http://schemas.microsoft.com/office/drawing/2010/main" w="9525">
                   <a:solidFill>
                     <a:srgbClr val="000000"/>
                   </a:solidFill>
@@ -2933,7 +2938,7 @@
             </a:ln>
             <a:extLst>
               <a:ext uri="{91240B29-F687-4f45-9708-019B960494DF}">
-                <a14:hiddenLine xmlns:a14="http://schemas.microsoft.com/office/drawing/2010/main" xmlns="" w="9525">
+                <a14:hiddenLine xmlns="" xmlns:a14="http://schemas.microsoft.com/office/drawing/2010/main" w="9525">
                   <a:solidFill>
                     <a:srgbClr val="000000"/>
                   </a:solidFill>
@@ -3023,7 +3028,7 @@
             </a:ln>
             <a:extLst>
               <a:ext uri="{91240B29-F687-4f45-9708-019B960494DF}">
-                <a14:hiddenLine xmlns:a14="http://schemas.microsoft.com/office/drawing/2010/main" xmlns="" w="9525">
+                <a14:hiddenLine xmlns="" xmlns:a14="http://schemas.microsoft.com/office/drawing/2010/main" w="9525">
                   <a:solidFill>
                     <a:srgbClr val="000000"/>
                   </a:solidFill>
@@ -3085,7 +3090,7 @@
             </a:ln>
             <a:extLst>
               <a:ext uri="{91240B29-F687-4f45-9708-019B960494DF}">
-                <a14:hiddenLine xmlns:a14="http://schemas.microsoft.com/office/drawing/2010/main" xmlns="" w="9525">
+                <a14:hiddenLine xmlns="" xmlns:a14="http://schemas.microsoft.com/office/drawing/2010/main" w="9525">
                   <a:solidFill>
                     <a:srgbClr val="000000"/>
                   </a:solidFill>
@@ -3175,7 +3180,7 @@
             </a:ln>
             <a:extLst>
               <a:ext uri="{91240B29-F687-4f45-9708-019B960494DF}">
-                <a14:hiddenLine xmlns:a14="http://schemas.microsoft.com/office/drawing/2010/main" xmlns="" w="9525">
+                <a14:hiddenLine xmlns="" xmlns:a14="http://schemas.microsoft.com/office/drawing/2010/main" w="9525">
                   <a:solidFill>
                     <a:srgbClr val="000000"/>
                   </a:solidFill>
@@ -3209,7 +3214,7 @@
             </a:ln>
             <a:extLst>
               <a:ext uri="{91240B29-F687-4f45-9708-019B960494DF}">
-                <a14:hiddenLine xmlns:a14="http://schemas.microsoft.com/office/drawing/2010/main" xmlns="" w="9525">
+                <a14:hiddenLine xmlns="" xmlns:a14="http://schemas.microsoft.com/office/drawing/2010/main" w="9525">
                   <a:solidFill>
                     <a:srgbClr val="000000"/>
                   </a:solidFill>
@@ -3274,7 +3279,7 @@
             </a:ln>
             <a:extLst>
               <a:ext uri="{91240B29-F687-4f45-9708-019B960494DF}">
-                <a14:hiddenLine xmlns:a14="http://schemas.microsoft.com/office/drawing/2010/main" xmlns="" w="9525">
+                <a14:hiddenLine xmlns="" xmlns:a14="http://schemas.microsoft.com/office/drawing/2010/main" w="9525">
                   <a:solidFill>
                     <a:srgbClr val="000000"/>
                   </a:solidFill>
@@ -3364,7 +3369,7 @@
             </a:ln>
             <a:extLst>
               <a:ext uri="{91240B29-F687-4f45-9708-019B960494DF}">
-                <a14:hiddenLine xmlns:a14="http://schemas.microsoft.com/office/drawing/2010/main" xmlns="" w="9525">
+                <a14:hiddenLine xmlns="" xmlns:a14="http://schemas.microsoft.com/office/drawing/2010/main" w="9525">
                   <a:solidFill>
                     <a:srgbClr val="000000"/>
                   </a:solidFill>
@@ -3426,7 +3431,7 @@
             </a:ln>
             <a:extLst>
               <a:ext uri="{91240B29-F687-4f45-9708-019B960494DF}">
-                <a14:hiddenLine xmlns:a14="http://schemas.microsoft.com/office/drawing/2010/main" xmlns="" w="9525">
+                <a14:hiddenLine xmlns="" xmlns:a14="http://schemas.microsoft.com/office/drawing/2010/main" w="9525">
                   <a:solidFill>
                     <a:srgbClr val="000000"/>
                   </a:solidFill>
@@ -3516,7 +3521,7 @@
             </a:ln>
             <a:extLst>
               <a:ext uri="{91240B29-F687-4f45-9708-019B960494DF}">
-                <a14:hiddenLine xmlns:a14="http://schemas.microsoft.com/office/drawing/2010/main" xmlns="" w="9525">
+                <a14:hiddenLine xmlns="" xmlns:a14="http://schemas.microsoft.com/office/drawing/2010/main" w="9525">
                   <a:solidFill>
                     <a:srgbClr val="000000"/>
                   </a:solidFill>
@@ -3606,7 +3611,7 @@
             </a:ln>
             <a:extLst>
               <a:ext uri="{91240B29-F687-4f45-9708-019B960494DF}">
-                <a14:hiddenLine xmlns:a14="http://schemas.microsoft.com/office/drawing/2010/main" xmlns="" w="9525">
+                <a14:hiddenLine xmlns="" xmlns:a14="http://schemas.microsoft.com/office/drawing/2010/main" w="9525">
                   <a:solidFill>
                     <a:srgbClr val="000000"/>
                   </a:solidFill>
@@ -3671,7 +3676,7 @@
             </a:ln>
             <a:extLst>
               <a:ext uri="{91240B29-F687-4f45-9708-019B960494DF}">
-                <a14:hiddenLine xmlns:a14="http://schemas.microsoft.com/office/drawing/2010/main" xmlns="" w="9525">
+                <a14:hiddenLine xmlns="" xmlns:a14="http://schemas.microsoft.com/office/drawing/2010/main" w="9525">
                   <a:solidFill>
                     <a:srgbClr val="000000"/>
                   </a:solidFill>
@@ -3733,7 +3738,7 @@
             </a:ln>
             <a:extLst>
               <a:ext uri="{91240B29-F687-4f45-9708-019B960494DF}">
-                <a14:hiddenLine xmlns:a14="http://schemas.microsoft.com/office/drawing/2010/main" xmlns="" w="9525">
+                <a14:hiddenLine xmlns="" xmlns:a14="http://schemas.microsoft.com/office/drawing/2010/main" w="9525">
                   <a:solidFill>
                     <a:srgbClr val="000000"/>
                   </a:solidFill>
@@ -3823,7 +3828,7 @@
             </a:ln>
             <a:extLst>
               <a:ext uri="{91240B29-F687-4f45-9708-019B960494DF}">
-                <a14:hiddenLine xmlns:a14="http://schemas.microsoft.com/office/drawing/2010/main" xmlns="" w="9525">
+                <a14:hiddenLine xmlns="" xmlns:a14="http://schemas.microsoft.com/office/drawing/2010/main" w="9525">
                   <a:solidFill>
                     <a:srgbClr val="000000"/>
                   </a:solidFill>
@@ -3913,7 +3918,7 @@
             </a:ln>
             <a:extLst>
               <a:ext uri="{91240B29-F687-4f45-9708-019B960494DF}">
-                <a14:hiddenLine xmlns:a14="http://schemas.microsoft.com/office/drawing/2010/main" xmlns="" w="9525">
+                <a14:hiddenLine xmlns="" xmlns:a14="http://schemas.microsoft.com/office/drawing/2010/main" w="9525">
                   <a:solidFill>
                     <a:srgbClr val="000000"/>
                   </a:solidFill>
@@ -3975,7 +3980,7 @@
             </a:ln>
             <a:extLst>
               <a:ext uri="{91240B29-F687-4f45-9708-019B960494DF}">
-                <a14:hiddenLine xmlns:a14="http://schemas.microsoft.com/office/drawing/2010/main" xmlns="" w="9525">
+                <a14:hiddenLine xmlns="" xmlns:a14="http://schemas.microsoft.com/office/drawing/2010/main" w="9525">
                   <a:solidFill>
                     <a:srgbClr val="000000"/>
                   </a:solidFill>
@@ -4095,7 +4100,7 @@
             </a:ln>
             <a:extLst>
               <a:ext uri="{91240B29-F687-4f45-9708-019B960494DF}">
-                <a14:hiddenLine xmlns:a14="http://schemas.microsoft.com/office/drawing/2010/main" xmlns="" w="9525">
+                <a14:hiddenLine xmlns="" xmlns:a14="http://schemas.microsoft.com/office/drawing/2010/main" w="9525">
                   <a:solidFill>
                     <a:srgbClr val="000000"/>
                   </a:solidFill>
@@ -4163,7 +4168,7 @@
             </a:ln>
             <a:extLst>
               <a:ext uri="{91240B29-F687-4f45-9708-019B960494DF}">
-                <a14:hiddenLine xmlns:a14="http://schemas.microsoft.com/office/drawing/2010/main" xmlns="" w="9525">
+                <a14:hiddenLine xmlns="" xmlns:a14="http://schemas.microsoft.com/office/drawing/2010/main" w="9525">
                   <a:solidFill>
                     <a:srgbClr val="000000"/>
                   </a:solidFill>
@@ -4253,7 +4258,7 @@
             </a:ln>
             <a:extLst>
               <a:ext uri="{91240B29-F687-4f45-9708-019B960494DF}">
-                <a14:hiddenLine xmlns:a14="http://schemas.microsoft.com/office/drawing/2010/main" xmlns="" w="9525">
+                <a14:hiddenLine xmlns="" xmlns:a14="http://schemas.microsoft.com/office/drawing/2010/main" w="9525">
                   <a:solidFill>
                     <a:srgbClr val="000000"/>
                   </a:solidFill>
@@ -4393,7 +4398,7 @@
           <a:p>
             <a:fld id="{48A87A34-81AB-432B-8DAE-1953F412C126}" type="datetimeFigureOut">
               <a:rPr lang="en-US" dirty="0"/>
-              <a:t>5/19/2022</a:t>
+              <a:t>5/22/2022</a:t>
             </a:fld>
             <a:endParaRPr lang="en-US" dirty="0"/>
           </a:p>
@@ -4655,7 +4660,7 @@
           <a:p>
             <a:fld id="{48A87A34-81AB-432B-8DAE-1953F412C126}" type="datetimeFigureOut">
               <a:rPr lang="en-US" dirty="0"/>
-              <a:t>5/19/2022</a:t>
+              <a:t>5/22/2022</a:t>
             </a:fld>
             <a:endParaRPr lang="en-US" dirty="0"/>
           </a:p>
@@ -4846,7 +4851,7 @@
           <a:p>
             <a:fld id="{48A87A34-81AB-432B-8DAE-1953F412C126}" type="datetimeFigureOut">
               <a:rPr lang="en-US" dirty="0"/>
-              <a:t>5/19/2022</a:t>
+              <a:t>5/22/2022</a:t>
             </a:fld>
             <a:endParaRPr lang="en-US" dirty="0"/>
           </a:p>
@@ -5104,7 +5109,7 @@
           <a:p>
             <a:fld id="{48A87A34-81AB-432B-8DAE-1953F412C126}" type="datetimeFigureOut">
               <a:rPr lang="en-US" dirty="0"/>
-              <a:t>5/19/2022</a:t>
+              <a:t>5/22/2022</a:t>
             </a:fld>
             <a:endParaRPr lang="en-US" dirty="0"/>
           </a:p>
@@ -5533,7 +5538,7 @@
           <a:p>
             <a:fld id="{48A87A34-81AB-432B-8DAE-1953F412C126}" type="datetimeFigureOut">
               <a:rPr lang="en-US" dirty="0"/>
-              <a:t>5/19/2022</a:t>
+              <a:t>5/22/2022</a:t>
             </a:fld>
             <a:endParaRPr lang="en-US" dirty="0"/>
           </a:p>
@@ -6074,7 +6079,7 @@
           <a:p>
             <a:fld id="{48A87A34-81AB-432B-8DAE-1953F412C126}" type="datetimeFigureOut">
               <a:rPr lang="en-US" dirty="0"/>
-              <a:t>5/19/2022</a:t>
+              <a:t>5/22/2022</a:t>
             </a:fld>
             <a:endParaRPr lang="en-US" dirty="0"/>
           </a:p>
@@ -6789,7 +6794,7 @@
           <a:p>
             <a:fld id="{48A87A34-81AB-432B-8DAE-1953F412C126}" type="datetimeFigureOut">
               <a:rPr lang="en-US" dirty="0"/>
-              <a:t>5/19/2022</a:t>
+              <a:t>5/22/2022</a:t>
             </a:fld>
             <a:endParaRPr lang="en-US" dirty="0"/>
           </a:p>
@@ -6954,7 +6959,7 @@
           <a:p>
             <a:fld id="{48A87A34-81AB-432B-8DAE-1953F412C126}" type="datetimeFigureOut">
               <a:rPr lang="en-US" dirty="0"/>
-              <a:t>5/19/2022</a:t>
+              <a:t>5/22/2022</a:t>
             </a:fld>
             <a:endParaRPr lang="en-US" dirty="0"/>
           </a:p>
@@ -7129,7 +7134,7 @@
           <a:p>
             <a:fld id="{48A87A34-81AB-432B-8DAE-1953F412C126}" type="datetimeFigureOut">
               <a:rPr lang="en-US" dirty="0"/>
-              <a:t>5/19/2022</a:t>
+              <a:t>5/22/2022</a:t>
             </a:fld>
             <a:endParaRPr lang="en-US" dirty="0"/>
           </a:p>
@@ -7294,7 +7299,7 @@
           <a:p>
             <a:fld id="{48A87A34-81AB-432B-8DAE-1953F412C126}" type="datetimeFigureOut">
               <a:rPr lang="en-US" dirty="0"/>
-              <a:t>5/19/2022</a:t>
+              <a:t>5/22/2022</a:t>
             </a:fld>
             <a:endParaRPr lang="en-US" dirty="0"/>
           </a:p>
@@ -7539,7 +7544,7 @@
           <a:p>
             <a:fld id="{48A87A34-81AB-432B-8DAE-1953F412C126}" type="datetimeFigureOut">
               <a:rPr lang="en-US" dirty="0"/>
-              <a:t>5/19/2022</a:t>
+              <a:t>5/22/2022</a:t>
             </a:fld>
             <a:endParaRPr lang="en-US" dirty="0"/>
           </a:p>
@@ -7766,7 +7771,7 @@
           <a:p>
             <a:fld id="{48A87A34-81AB-432B-8DAE-1953F412C126}" type="datetimeFigureOut">
               <a:rPr lang="en-US" dirty="0"/>
-              <a:t>5/19/2022</a:t>
+              <a:t>5/22/2022</a:t>
             </a:fld>
             <a:endParaRPr lang="en-US" dirty="0"/>
           </a:p>
@@ -8142,7 +8147,7 @@
           <a:p>
             <a:fld id="{48A87A34-81AB-432B-8DAE-1953F412C126}" type="datetimeFigureOut">
               <a:rPr lang="en-US" dirty="0"/>
-              <a:t>5/19/2022</a:t>
+              <a:t>5/22/2022</a:t>
             </a:fld>
             <a:endParaRPr lang="en-US" dirty="0"/>
           </a:p>
@@ -8255,7 +8260,7 @@
           <a:p>
             <a:fld id="{48A87A34-81AB-432B-8DAE-1953F412C126}" type="datetimeFigureOut">
               <a:rPr lang="en-US" dirty="0"/>
-              <a:t>5/19/2022</a:t>
+              <a:t>5/22/2022</a:t>
             </a:fld>
             <a:endParaRPr lang="en-US" dirty="0"/>
           </a:p>
@@ -8345,7 +8350,7 @@
           <a:p>
             <a:fld id="{48A87A34-81AB-432B-8DAE-1953F412C126}" type="datetimeFigureOut">
               <a:rPr lang="en-US" dirty="0"/>
-              <a:t>5/19/2022</a:t>
+              <a:t>5/22/2022</a:t>
             </a:fld>
             <a:endParaRPr lang="en-US" dirty="0"/>
           </a:p>
@@ -8589,7 +8594,7 @@
           <a:p>
             <a:fld id="{48A87A34-81AB-432B-8DAE-1953F412C126}" type="datetimeFigureOut">
               <a:rPr lang="en-US" dirty="0"/>
-              <a:t>5/19/2022</a:t>
+              <a:t>5/22/2022</a:t>
             </a:fld>
             <a:endParaRPr lang="en-US" dirty="0"/>
           </a:p>
@@ -8864,7 +8869,7 @@
           <a:p>
             <a:fld id="{48A87A34-81AB-432B-8DAE-1953F412C126}" type="datetimeFigureOut">
               <a:rPr lang="en-US" dirty="0"/>
-              <a:t>5/19/2022</a:t>
+              <a:t>5/22/2022</a:t>
             </a:fld>
             <a:endParaRPr lang="en-US" dirty="0"/>
           </a:p>
@@ -8975,7 +8980,7 @@
           <a:noFill/>
           <a:extLst>
             <a:ext uri="{909E8E84-426E-40dd-AFC4-6F175D3DCCD1}">
-              <a14:hiddenFill xmlns:a14="http://schemas.microsoft.com/office/drawing/2010/main" xmlns="">
+              <a14:hiddenFill xmlns="" xmlns:a14="http://schemas.microsoft.com/office/drawing/2010/main">
                 <a:solidFill>
                   <a:srgbClr val="FFFFFF"/>
                 </a:solidFill>
@@ -9049,7 +9054,7 @@
               </a:ln>
               <a:extLst>
                 <a:ext uri="{91240B29-F687-4f45-9708-019B960494DF}">
-                  <a14:hiddenLine xmlns:a14="http://schemas.microsoft.com/office/drawing/2010/main" xmlns="" w="9525">
+                  <a14:hiddenLine xmlns="" xmlns:a14="http://schemas.microsoft.com/office/drawing/2010/main" w="9525">
                     <a:solidFill>
                       <a:srgbClr val="000000"/>
                     </a:solidFill>
@@ -9139,7 +9144,7 @@
               </a:ln>
               <a:extLst>
                 <a:ext uri="{91240B29-F687-4f45-9708-019B960494DF}">
-                  <a14:hiddenLine xmlns:a14="http://schemas.microsoft.com/office/drawing/2010/main" xmlns="" w="9525">
+                  <a14:hiddenLine xmlns="" xmlns:a14="http://schemas.microsoft.com/office/drawing/2010/main" w="9525">
                     <a:solidFill>
                       <a:srgbClr val="000000"/>
                     </a:solidFill>
@@ -9229,7 +9234,7 @@
               </a:ln>
               <a:extLst>
                 <a:ext uri="{91240B29-F687-4f45-9708-019B960494DF}">
-                  <a14:hiddenLine xmlns:a14="http://schemas.microsoft.com/office/drawing/2010/main" xmlns="" w="9525">
+                  <a14:hiddenLine xmlns="" xmlns:a14="http://schemas.microsoft.com/office/drawing/2010/main" w="9525">
                     <a:solidFill>
                       <a:srgbClr val="000000"/>
                     </a:solidFill>
@@ -9291,7 +9296,7 @@
               </a:ln>
               <a:extLst>
                 <a:ext uri="{91240B29-F687-4f45-9708-019B960494DF}">
-                  <a14:hiddenLine xmlns:a14="http://schemas.microsoft.com/office/drawing/2010/main" xmlns="" w="9525">
+                  <a14:hiddenLine xmlns="" xmlns:a14="http://schemas.microsoft.com/office/drawing/2010/main" w="9525">
                     <a:solidFill>
                       <a:srgbClr val="000000"/>
                     </a:solidFill>
@@ -9381,7 +9386,7 @@
               </a:ln>
               <a:extLst>
                 <a:ext uri="{91240B29-F687-4f45-9708-019B960494DF}">
-                  <a14:hiddenLine xmlns:a14="http://schemas.microsoft.com/office/drawing/2010/main" xmlns="" w="9525">
+                  <a14:hiddenLine xmlns="" xmlns:a14="http://schemas.microsoft.com/office/drawing/2010/main" w="9525">
                     <a:solidFill>
                       <a:srgbClr val="000000"/>
                     </a:solidFill>
@@ -9443,7 +9448,7 @@
               </a:ln>
               <a:extLst>
                 <a:ext uri="{91240B29-F687-4f45-9708-019B960494DF}">
-                  <a14:hiddenLine xmlns:a14="http://schemas.microsoft.com/office/drawing/2010/main" xmlns="" w="9525">
+                  <a14:hiddenLine xmlns="" xmlns:a14="http://schemas.microsoft.com/office/drawing/2010/main" w="9525">
                     <a:solidFill>
                       <a:srgbClr val="000000"/>
                     </a:solidFill>
@@ -9505,7 +9510,7 @@
               </a:ln>
               <a:extLst>
                 <a:ext uri="{91240B29-F687-4f45-9708-019B960494DF}">
-                  <a14:hiddenLine xmlns:a14="http://schemas.microsoft.com/office/drawing/2010/main" xmlns="" w="9525">
+                  <a14:hiddenLine xmlns="" xmlns:a14="http://schemas.microsoft.com/office/drawing/2010/main" w="9525">
                     <a:solidFill>
                       <a:srgbClr val="000000"/>
                     </a:solidFill>
@@ -9595,7 +9600,7 @@
               </a:ln>
               <a:extLst>
                 <a:ext uri="{91240B29-F687-4f45-9708-019B960494DF}">
-                  <a14:hiddenLine xmlns:a14="http://schemas.microsoft.com/office/drawing/2010/main" xmlns="" w="9525">
+                  <a14:hiddenLine xmlns="" xmlns:a14="http://schemas.microsoft.com/office/drawing/2010/main" w="9525">
                     <a:solidFill>
                       <a:srgbClr val="000000"/>
                     </a:solidFill>
@@ -9685,7 +9690,7 @@
               </a:ln>
               <a:extLst>
                 <a:ext uri="{91240B29-F687-4f45-9708-019B960494DF}">
-                  <a14:hiddenLine xmlns:a14="http://schemas.microsoft.com/office/drawing/2010/main" xmlns="" w="9525">
+                  <a14:hiddenLine xmlns="" xmlns:a14="http://schemas.microsoft.com/office/drawing/2010/main" w="9525">
                     <a:solidFill>
                       <a:srgbClr val="000000"/>
                     </a:solidFill>
@@ -9747,7 +9752,7 @@
               </a:ln>
               <a:extLst>
                 <a:ext uri="{91240B29-F687-4f45-9708-019B960494DF}">
-                  <a14:hiddenLine xmlns:a14="http://schemas.microsoft.com/office/drawing/2010/main" xmlns="" w="9525">
+                  <a14:hiddenLine xmlns="" xmlns:a14="http://schemas.microsoft.com/office/drawing/2010/main" w="9525">
                     <a:solidFill>
                       <a:srgbClr val="000000"/>
                     </a:solidFill>
@@ -9857,7 +9862,7 @@
               </a:ln>
               <a:extLst>
                 <a:ext uri="{91240B29-F687-4f45-9708-019B960494DF}">
-                  <a14:hiddenLine xmlns:a14="http://schemas.microsoft.com/office/drawing/2010/main" xmlns="" w="9525">
+                  <a14:hiddenLine xmlns="" xmlns:a14="http://schemas.microsoft.com/office/drawing/2010/main" w="9525">
                     <a:solidFill>
                       <a:srgbClr val="000000"/>
                     </a:solidFill>
@@ -9941,7 +9946,7 @@
               </a:ln>
               <a:extLst>
                 <a:ext uri="{91240B29-F687-4f45-9708-019B960494DF}">
-                  <a14:hiddenLine xmlns:a14="http://schemas.microsoft.com/office/drawing/2010/main" xmlns="" w="9525">
+                  <a14:hiddenLine xmlns="" xmlns:a14="http://schemas.microsoft.com/office/drawing/2010/main" w="9525">
                     <a:solidFill>
                       <a:srgbClr val="000000"/>
                     </a:solidFill>
@@ -10003,7 +10008,7 @@
               </a:ln>
               <a:extLst>
                 <a:ext uri="{91240B29-F687-4f45-9708-019B960494DF}">
-                  <a14:hiddenLine xmlns:a14="http://schemas.microsoft.com/office/drawing/2010/main" xmlns="" w="9525">
+                  <a14:hiddenLine xmlns="" xmlns:a14="http://schemas.microsoft.com/office/drawing/2010/main" w="9525">
                     <a:solidFill>
                       <a:srgbClr val="000000"/>
                     </a:solidFill>
@@ -10065,7 +10070,7 @@
               </a:ln>
               <a:extLst>
                 <a:ext uri="{91240B29-F687-4f45-9708-019B960494DF}">
-                  <a14:hiddenLine xmlns:a14="http://schemas.microsoft.com/office/drawing/2010/main" xmlns="" w="9525">
+                  <a14:hiddenLine xmlns="" xmlns:a14="http://schemas.microsoft.com/office/drawing/2010/main" w="9525">
                     <a:solidFill>
                       <a:srgbClr val="000000"/>
                     </a:solidFill>
@@ -10155,7 +10160,7 @@
               </a:ln>
               <a:extLst>
                 <a:ext uri="{91240B29-F687-4f45-9708-019B960494DF}">
-                  <a14:hiddenLine xmlns:a14="http://schemas.microsoft.com/office/drawing/2010/main" xmlns="" w="9525">
+                  <a14:hiddenLine xmlns="" xmlns:a14="http://schemas.microsoft.com/office/drawing/2010/main" w="9525">
                     <a:solidFill>
                       <a:srgbClr val="000000"/>
                     </a:solidFill>
@@ -10189,7 +10194,7 @@
               </a:ln>
               <a:extLst>
                 <a:ext uri="{91240B29-F687-4f45-9708-019B960494DF}">
-                  <a14:hiddenLine xmlns:a14="http://schemas.microsoft.com/office/drawing/2010/main" xmlns="" w="9525">
+                  <a14:hiddenLine xmlns="" xmlns:a14="http://schemas.microsoft.com/office/drawing/2010/main" w="9525">
                     <a:solidFill>
                       <a:srgbClr val="000000"/>
                     </a:solidFill>
@@ -10254,7 +10259,7 @@
               </a:ln>
               <a:extLst>
                 <a:ext uri="{91240B29-F687-4f45-9708-019B960494DF}">
-                  <a14:hiddenLine xmlns:a14="http://schemas.microsoft.com/office/drawing/2010/main" xmlns="" w="9525">
+                  <a14:hiddenLine xmlns="" xmlns:a14="http://schemas.microsoft.com/office/drawing/2010/main" w="9525">
                     <a:solidFill>
                       <a:srgbClr val="000000"/>
                     </a:solidFill>
@@ -10344,7 +10349,7 @@
               </a:ln>
               <a:extLst>
                 <a:ext uri="{91240B29-F687-4f45-9708-019B960494DF}">
-                  <a14:hiddenLine xmlns:a14="http://schemas.microsoft.com/office/drawing/2010/main" xmlns="" w="9525">
+                  <a14:hiddenLine xmlns="" xmlns:a14="http://schemas.microsoft.com/office/drawing/2010/main" w="9525">
                     <a:solidFill>
                       <a:srgbClr val="000000"/>
                     </a:solidFill>
@@ -10406,7 +10411,7 @@
               </a:ln>
               <a:extLst>
                 <a:ext uri="{91240B29-F687-4f45-9708-019B960494DF}">
-                  <a14:hiddenLine xmlns:a14="http://schemas.microsoft.com/office/drawing/2010/main" xmlns="" w="9525">
+                  <a14:hiddenLine xmlns="" xmlns:a14="http://schemas.microsoft.com/office/drawing/2010/main" w="9525">
                     <a:solidFill>
                       <a:srgbClr val="000000"/>
                     </a:solidFill>
@@ -10496,7 +10501,7 @@
               </a:ln>
               <a:extLst>
                 <a:ext uri="{91240B29-F687-4f45-9708-019B960494DF}">
-                  <a14:hiddenLine xmlns:a14="http://schemas.microsoft.com/office/drawing/2010/main" xmlns="" w="9525">
+                  <a14:hiddenLine xmlns="" xmlns:a14="http://schemas.microsoft.com/office/drawing/2010/main" w="9525">
                     <a:solidFill>
                       <a:srgbClr val="000000"/>
                     </a:solidFill>
@@ -10561,7 +10566,7 @@
               </a:ln>
               <a:extLst>
                 <a:ext uri="{91240B29-F687-4f45-9708-019B960494DF}">
-                  <a14:hiddenLine xmlns:a14="http://schemas.microsoft.com/office/drawing/2010/main" xmlns="" w="9525">
+                  <a14:hiddenLine xmlns="" xmlns:a14="http://schemas.microsoft.com/office/drawing/2010/main" w="9525">
                     <a:solidFill>
                       <a:srgbClr val="000000"/>
                     </a:solidFill>
@@ -10623,7 +10628,7 @@
               </a:ln>
               <a:extLst>
                 <a:ext uri="{91240B29-F687-4f45-9708-019B960494DF}">
-                  <a14:hiddenLine xmlns:a14="http://schemas.microsoft.com/office/drawing/2010/main" xmlns="" w="9525">
+                  <a14:hiddenLine xmlns="" xmlns:a14="http://schemas.microsoft.com/office/drawing/2010/main" w="9525">
                     <a:solidFill>
                       <a:srgbClr val="000000"/>
                     </a:solidFill>
@@ -10713,7 +10718,7 @@
               </a:ln>
               <a:extLst>
                 <a:ext uri="{91240B29-F687-4f45-9708-019B960494DF}">
-                  <a14:hiddenLine xmlns:a14="http://schemas.microsoft.com/office/drawing/2010/main" xmlns="" w="9525">
+                  <a14:hiddenLine xmlns="" xmlns:a14="http://schemas.microsoft.com/office/drawing/2010/main" w="9525">
                     <a:solidFill>
                       <a:srgbClr val="000000"/>
                     </a:solidFill>
@@ -10803,7 +10808,7 @@
               </a:ln>
               <a:extLst>
                 <a:ext uri="{91240B29-F687-4f45-9708-019B960494DF}">
-                  <a14:hiddenLine xmlns:a14="http://schemas.microsoft.com/office/drawing/2010/main" xmlns="" w="9525">
+                  <a14:hiddenLine xmlns="" xmlns:a14="http://schemas.microsoft.com/office/drawing/2010/main" w="9525">
                     <a:solidFill>
                       <a:srgbClr val="000000"/>
                     </a:solidFill>
@@ -10868,7 +10873,7 @@
               </a:ln>
               <a:extLst>
                 <a:ext uri="{91240B29-F687-4f45-9708-019B960494DF}">
-                  <a14:hiddenLine xmlns:a14="http://schemas.microsoft.com/office/drawing/2010/main" xmlns="" w="9525">
+                  <a14:hiddenLine xmlns="" xmlns:a14="http://schemas.microsoft.com/office/drawing/2010/main" w="9525">
                     <a:solidFill>
                       <a:srgbClr val="000000"/>
                     </a:solidFill>
@@ -10988,7 +10993,7 @@
               </a:ln>
               <a:extLst>
                 <a:ext uri="{91240B29-F687-4f45-9708-019B960494DF}">
-                  <a14:hiddenLine xmlns:a14="http://schemas.microsoft.com/office/drawing/2010/main" xmlns="" w="9525">
+                  <a14:hiddenLine xmlns="" xmlns:a14="http://schemas.microsoft.com/office/drawing/2010/main" w="9525">
                     <a:solidFill>
                       <a:srgbClr val="000000"/>
                     </a:solidFill>
@@ -11086,7 +11091,7 @@
               </a:ln>
               <a:extLst>
                 <a:ext uri="{91240B29-F687-4f45-9708-019B960494DF}">
-                  <a14:hiddenLine xmlns:a14="http://schemas.microsoft.com/office/drawing/2010/main" xmlns="" w="9525">
+                  <a14:hiddenLine xmlns="" xmlns:a14="http://schemas.microsoft.com/office/drawing/2010/main" w="9525">
                     <a:solidFill>
                       <a:srgbClr val="000000"/>
                     </a:solidFill>
@@ -11201,7 +11206,7 @@
               </a:ln>
               <a:extLst>
                 <a:ext uri="{91240B29-F687-4f45-9708-019B960494DF}">
-                  <a14:hiddenLine xmlns:a14="http://schemas.microsoft.com/office/drawing/2010/main" xmlns="" w="9525">
+                  <a14:hiddenLine xmlns="" xmlns:a14="http://schemas.microsoft.com/office/drawing/2010/main" w="9525">
                     <a:solidFill>
                       <a:srgbClr val="000000"/>
                     </a:solidFill>
@@ -11291,7 +11296,7 @@
               </a:ln>
               <a:extLst>
                 <a:ext uri="{91240B29-F687-4f45-9708-019B960494DF}">
-                  <a14:hiddenLine xmlns:a14="http://schemas.microsoft.com/office/drawing/2010/main" xmlns="" w="9525">
+                  <a14:hiddenLine xmlns="" xmlns:a14="http://schemas.microsoft.com/office/drawing/2010/main" w="9525">
                     <a:solidFill>
                       <a:srgbClr val="000000"/>
                     </a:solidFill>
@@ -11356,7 +11361,7 @@
               </a:ln>
               <a:extLst>
                 <a:ext uri="{91240B29-F687-4f45-9708-019B960494DF}">
-                  <a14:hiddenLine xmlns:a14="http://schemas.microsoft.com/office/drawing/2010/main" xmlns="" w="9525">
+                  <a14:hiddenLine xmlns="" xmlns:a14="http://schemas.microsoft.com/office/drawing/2010/main" w="9525">
                     <a:solidFill>
                       <a:srgbClr val="000000"/>
                     </a:solidFill>
@@ -11446,7 +11451,7 @@
               </a:ln>
               <a:extLst>
                 <a:ext uri="{91240B29-F687-4f45-9708-019B960494DF}">
-                  <a14:hiddenLine xmlns:a14="http://schemas.microsoft.com/office/drawing/2010/main" xmlns="" w="9525">
+                  <a14:hiddenLine xmlns="" xmlns:a14="http://schemas.microsoft.com/office/drawing/2010/main" w="9525">
                     <a:solidFill>
                       <a:srgbClr val="000000"/>
                     </a:solidFill>
@@ -11514,7 +11519,7 @@
               </a:ln>
               <a:extLst>
                 <a:ext uri="{91240B29-F687-4f45-9708-019B960494DF}">
-                  <a14:hiddenLine xmlns:a14="http://schemas.microsoft.com/office/drawing/2010/main" xmlns="" w="9525">
+                  <a14:hiddenLine xmlns="" xmlns:a14="http://schemas.microsoft.com/office/drawing/2010/main" w="9525">
                     <a:solidFill>
                       <a:srgbClr val="000000"/>
                     </a:solidFill>
@@ -11604,7 +11609,7 @@
               </a:ln>
               <a:extLst>
                 <a:ext uri="{91240B29-F687-4f45-9708-019B960494DF}">
-                  <a14:hiddenLine xmlns:a14="http://schemas.microsoft.com/office/drawing/2010/main" xmlns="" w="9525">
+                  <a14:hiddenLine xmlns="" xmlns:a14="http://schemas.microsoft.com/office/drawing/2010/main" w="9525">
                     <a:solidFill>
                       <a:srgbClr val="000000"/>
                     </a:solidFill>
@@ -11672,7 +11677,7 @@
               </a:ln>
               <a:extLst>
                 <a:ext uri="{91240B29-F687-4f45-9708-019B960494DF}">
-                  <a14:hiddenLine xmlns:a14="http://schemas.microsoft.com/office/drawing/2010/main" xmlns="" w="9525">
+                  <a14:hiddenLine xmlns="" xmlns:a14="http://schemas.microsoft.com/office/drawing/2010/main" w="9525">
                     <a:solidFill>
                       <a:srgbClr val="000000"/>
                     </a:solidFill>
@@ -11762,7 +11767,7 @@
               </a:ln>
               <a:extLst>
                 <a:ext uri="{91240B29-F687-4f45-9708-019B960494DF}">
-                  <a14:hiddenLine xmlns:a14="http://schemas.microsoft.com/office/drawing/2010/main" xmlns="" w="9525">
+                  <a14:hiddenLine xmlns="" xmlns:a14="http://schemas.microsoft.com/office/drawing/2010/main" w="9525">
                     <a:solidFill>
                       <a:srgbClr val="000000"/>
                     </a:solidFill>
@@ -11796,7 +11801,7 @@
               </a:ln>
               <a:extLst>
                 <a:ext uri="{91240B29-F687-4f45-9708-019B960494DF}">
-                  <a14:hiddenLine xmlns:a14="http://schemas.microsoft.com/office/drawing/2010/main" xmlns="" w="9525">
+                  <a14:hiddenLine xmlns="" xmlns:a14="http://schemas.microsoft.com/office/drawing/2010/main" w="9525">
                     <a:solidFill>
                       <a:srgbClr val="000000"/>
                     </a:solidFill>
@@ -11937,7 +11942,7 @@
             <a:fld id="{48A87A34-81AB-432B-8DAE-1953F412C126}" type="datetimeFigureOut">
               <a:rPr lang="en-US" dirty="0"/>
               <a:pPr/>
-              <a:t>5/19/2022</a:t>
+              <a:t>5/22/2022</a:t>
             </a:fld>
             <a:endParaRPr lang="en-US" dirty="0"/>
           </a:p>
@@ -12376,7 +12381,22 @@
             <a:pPr algn="ctr"/>
             <a:r>
               <a:rPr lang="en-US" dirty="0"/>
-              <a:t>Xây dựng ứng dụng phân </a:t>
+              <a:t>Xây dựng ứng </a:t>
+            </a:r>
+            <a:r>
+              <a:rPr lang="en-US"/>
+              <a:t>dụng </a:t>
+            </a:r>
+            <a:r>
+              <a:rPr lang="en-US" smtClean="0"/>
+              <a:t/>
+            </a:r>
+            <a:br>
+              <a:rPr lang="en-US" smtClean="0"/>
+            </a:br>
+            <a:r>
+              <a:rPr lang="en-US" smtClean="0"/>
+              <a:t>phân </a:t>
             </a:r>
             <a:r>
               <a:rPr lang="en-US" dirty="0" smtClean="0"/>

--- a/doc/Xây dựng ứng dụng phân loại Bài Báo.pptx
+++ b/doc/Xây dựng ứng dụng phân loại Bài Báo.pptx
@@ -6,16 +6,17 @@
   </p:sldMasterIdLst>
   <p:sldIdLst>
     <p:sldId id="256" r:id="rId2"/>
-    <p:sldId id="257" r:id="rId3"/>
-    <p:sldId id="258" r:id="rId4"/>
-    <p:sldId id="259" r:id="rId5"/>
-    <p:sldId id="260" r:id="rId6"/>
-    <p:sldId id="261" r:id="rId7"/>
-    <p:sldId id="262" r:id="rId8"/>
-    <p:sldId id="264" r:id="rId9"/>
-    <p:sldId id="265" r:id="rId10"/>
-    <p:sldId id="266" r:id="rId11"/>
-    <p:sldId id="267" r:id="rId12"/>
+    <p:sldId id="268" r:id="rId3"/>
+    <p:sldId id="257" r:id="rId4"/>
+    <p:sldId id="258" r:id="rId5"/>
+    <p:sldId id="259" r:id="rId6"/>
+    <p:sldId id="260" r:id="rId7"/>
+    <p:sldId id="261" r:id="rId8"/>
+    <p:sldId id="262" r:id="rId9"/>
+    <p:sldId id="264" r:id="rId10"/>
+    <p:sldId id="265" r:id="rId11"/>
+    <p:sldId id="266" r:id="rId12"/>
+    <p:sldId id="267" r:id="rId13"/>
   </p:sldIdLst>
   <p:sldSz cx="12192000" cy="6858000"/>
   <p:notesSz cx="6858000" cy="9144000"/>
@@ -172,7 +173,7 @@
           <a:noFill/>
           <a:extLst>
             <a:ext uri="{909E8E84-426E-40dd-AFC4-6F175D3DCCD1}">
-              <a14:hiddenFill xmlns="" xmlns:a14="http://schemas.microsoft.com/office/drawing/2010/main">
+              <a14:hiddenFill xmlns:a14="http://schemas.microsoft.com/office/drawing/2010/main" xmlns="">
                 <a:solidFill>
                   <a:srgbClr val="FFFFFF"/>
                 </a:solidFill>
@@ -232,7 +233,7 @@
             </a:ln>
             <a:extLst>
               <a:ext uri="{91240B29-F687-4f45-9708-019B960494DF}">
-                <a14:hiddenLine xmlns="" xmlns:a14="http://schemas.microsoft.com/office/drawing/2010/main" w="9525">
+                <a14:hiddenLine xmlns:a14="http://schemas.microsoft.com/office/drawing/2010/main" xmlns="" w="9525">
                   <a:solidFill>
                     <a:srgbClr val="000000"/>
                   </a:solidFill>
@@ -322,7 +323,7 @@
             </a:ln>
             <a:extLst>
               <a:ext uri="{91240B29-F687-4f45-9708-019B960494DF}">
-                <a14:hiddenLine xmlns="" xmlns:a14="http://schemas.microsoft.com/office/drawing/2010/main" w="9525">
+                <a14:hiddenLine xmlns:a14="http://schemas.microsoft.com/office/drawing/2010/main" xmlns="" w="9525">
                   <a:solidFill>
                     <a:srgbClr val="000000"/>
                   </a:solidFill>
@@ -412,7 +413,7 @@
             </a:ln>
             <a:extLst>
               <a:ext uri="{91240B29-F687-4f45-9708-019B960494DF}">
-                <a14:hiddenLine xmlns="" xmlns:a14="http://schemas.microsoft.com/office/drawing/2010/main" w="9525">
+                <a14:hiddenLine xmlns:a14="http://schemas.microsoft.com/office/drawing/2010/main" xmlns="" w="9525">
                   <a:solidFill>
                     <a:srgbClr val="000000"/>
                   </a:solidFill>
@@ -446,7 +447,7 @@
             </a:ln>
             <a:extLst>
               <a:ext uri="{91240B29-F687-4f45-9708-019B960494DF}">
-                <a14:hiddenLine xmlns="" xmlns:a14="http://schemas.microsoft.com/office/drawing/2010/main" w="9525">
+                <a14:hiddenLine xmlns:a14="http://schemas.microsoft.com/office/drawing/2010/main" xmlns="" w="9525">
                   <a:solidFill>
                     <a:srgbClr val="000000"/>
                   </a:solidFill>
@@ -536,7 +537,7 @@
             </a:ln>
             <a:extLst>
               <a:ext uri="{91240B29-F687-4f45-9708-019B960494DF}">
-                <a14:hiddenLine xmlns="" xmlns:a14="http://schemas.microsoft.com/office/drawing/2010/main" w="9525">
+                <a14:hiddenLine xmlns:a14="http://schemas.microsoft.com/office/drawing/2010/main" xmlns="" w="9525">
                   <a:solidFill>
                     <a:srgbClr val="000000"/>
                   </a:solidFill>
@@ -598,7 +599,7 @@
             </a:ln>
             <a:extLst>
               <a:ext uri="{91240B29-F687-4f45-9708-019B960494DF}">
-                <a14:hiddenLine xmlns="" xmlns:a14="http://schemas.microsoft.com/office/drawing/2010/main" w="9525">
+                <a14:hiddenLine xmlns:a14="http://schemas.microsoft.com/office/drawing/2010/main" xmlns="" w="9525">
                   <a:solidFill>
                     <a:srgbClr val="000000"/>
                   </a:solidFill>
@@ -660,7 +661,7 @@
             </a:ln>
             <a:extLst>
               <a:ext uri="{91240B29-F687-4f45-9708-019B960494DF}">
-                <a14:hiddenLine xmlns="" xmlns:a14="http://schemas.microsoft.com/office/drawing/2010/main" w="9525">
+                <a14:hiddenLine xmlns:a14="http://schemas.microsoft.com/office/drawing/2010/main" xmlns="" w="9525">
                   <a:solidFill>
                     <a:srgbClr val="000000"/>
                   </a:solidFill>
@@ -750,7 +751,7 @@
             </a:ln>
             <a:extLst>
               <a:ext uri="{91240B29-F687-4f45-9708-019B960494DF}">
-                <a14:hiddenLine xmlns="" xmlns:a14="http://schemas.microsoft.com/office/drawing/2010/main" w="9525">
+                <a14:hiddenLine xmlns:a14="http://schemas.microsoft.com/office/drawing/2010/main" xmlns="" w="9525">
                   <a:solidFill>
                     <a:srgbClr val="000000"/>
                   </a:solidFill>
@@ -812,7 +813,7 @@
             </a:ln>
             <a:extLst>
               <a:ext uri="{91240B29-F687-4f45-9708-019B960494DF}">
-                <a14:hiddenLine xmlns="" xmlns:a14="http://schemas.microsoft.com/office/drawing/2010/main" w="9525">
+                <a14:hiddenLine xmlns:a14="http://schemas.microsoft.com/office/drawing/2010/main" xmlns="" w="9525">
                   <a:solidFill>
                     <a:srgbClr val="000000"/>
                   </a:solidFill>
@@ -874,7 +875,7 @@
             </a:ln>
             <a:extLst>
               <a:ext uri="{91240B29-F687-4f45-9708-019B960494DF}">
-                <a14:hiddenLine xmlns="" xmlns:a14="http://schemas.microsoft.com/office/drawing/2010/main" w="9525">
+                <a14:hiddenLine xmlns:a14="http://schemas.microsoft.com/office/drawing/2010/main" xmlns="" w="9525">
                   <a:solidFill>
                     <a:srgbClr val="000000"/>
                   </a:solidFill>
@@ -964,7 +965,7 @@
             </a:ln>
             <a:extLst>
               <a:ext uri="{91240B29-F687-4f45-9708-019B960494DF}">
-                <a14:hiddenLine xmlns="" xmlns:a14="http://schemas.microsoft.com/office/drawing/2010/main" w="9525">
+                <a14:hiddenLine xmlns:a14="http://schemas.microsoft.com/office/drawing/2010/main" xmlns="" w="9525">
                   <a:solidFill>
                     <a:srgbClr val="000000"/>
                   </a:solidFill>
@@ -1054,7 +1055,7 @@
             </a:ln>
             <a:extLst>
               <a:ext uri="{91240B29-F687-4f45-9708-019B960494DF}">
-                <a14:hiddenLine xmlns="" xmlns:a14="http://schemas.microsoft.com/office/drawing/2010/main" w="9525">
+                <a14:hiddenLine xmlns:a14="http://schemas.microsoft.com/office/drawing/2010/main" xmlns="" w="9525">
                   <a:solidFill>
                     <a:srgbClr val="000000"/>
                   </a:solidFill>
@@ -1116,7 +1117,7 @@
             </a:ln>
             <a:extLst>
               <a:ext uri="{91240B29-F687-4f45-9708-019B960494DF}">
-                <a14:hiddenLine xmlns="" xmlns:a14="http://schemas.microsoft.com/office/drawing/2010/main" w="9525">
+                <a14:hiddenLine xmlns:a14="http://schemas.microsoft.com/office/drawing/2010/main" xmlns="" w="9525">
                   <a:solidFill>
                     <a:srgbClr val="000000"/>
                   </a:solidFill>
@@ -1226,7 +1227,7 @@
             </a:ln>
             <a:extLst>
               <a:ext uri="{91240B29-F687-4f45-9708-019B960494DF}">
-                <a14:hiddenLine xmlns="" xmlns:a14="http://schemas.microsoft.com/office/drawing/2010/main" w="9525">
+                <a14:hiddenLine xmlns:a14="http://schemas.microsoft.com/office/drawing/2010/main" xmlns="" w="9525">
                   <a:solidFill>
                     <a:srgbClr val="000000"/>
                   </a:solidFill>
@@ -1288,7 +1289,7 @@
             </a:ln>
             <a:extLst>
               <a:ext uri="{91240B29-F687-4f45-9708-019B960494DF}">
-                <a14:hiddenLine xmlns="" xmlns:a14="http://schemas.microsoft.com/office/drawing/2010/main" w="9525">
+                <a14:hiddenLine xmlns:a14="http://schemas.microsoft.com/office/drawing/2010/main" xmlns="" w="9525">
                   <a:solidFill>
                     <a:srgbClr val="000000"/>
                   </a:solidFill>
@@ -1378,7 +1379,7 @@
             </a:ln>
             <a:extLst>
               <a:ext uri="{91240B29-F687-4f45-9708-019B960494DF}">
-                <a14:hiddenLine xmlns="" xmlns:a14="http://schemas.microsoft.com/office/drawing/2010/main" w="9525">
+                <a14:hiddenLine xmlns:a14="http://schemas.microsoft.com/office/drawing/2010/main" xmlns="" w="9525">
                   <a:solidFill>
                     <a:srgbClr val="000000"/>
                   </a:solidFill>
@@ -1468,7 +1469,7 @@
             </a:ln>
             <a:extLst>
               <a:ext uri="{91240B29-F687-4f45-9708-019B960494DF}">
-                <a14:hiddenLine xmlns="" xmlns:a14="http://schemas.microsoft.com/office/drawing/2010/main" w="9525">
+                <a14:hiddenLine xmlns:a14="http://schemas.microsoft.com/office/drawing/2010/main" xmlns="" w="9525">
                   <a:solidFill>
                     <a:srgbClr val="000000"/>
                   </a:solidFill>
@@ -1530,7 +1531,7 @@
             </a:ln>
             <a:extLst>
               <a:ext uri="{91240B29-F687-4f45-9708-019B960494DF}">
-                <a14:hiddenLine xmlns="" xmlns:a14="http://schemas.microsoft.com/office/drawing/2010/main" w="9525">
+                <a14:hiddenLine xmlns:a14="http://schemas.microsoft.com/office/drawing/2010/main" xmlns="" w="9525">
                   <a:solidFill>
                     <a:srgbClr val="000000"/>
                   </a:solidFill>
@@ -1620,7 +1621,7 @@
             </a:ln>
             <a:extLst>
               <a:ext uri="{91240B29-F687-4f45-9708-019B960494DF}">
-                <a14:hiddenLine xmlns="" xmlns:a14="http://schemas.microsoft.com/office/drawing/2010/main" w="9525">
+                <a14:hiddenLine xmlns:a14="http://schemas.microsoft.com/office/drawing/2010/main" xmlns="" w="9525">
                   <a:solidFill>
                     <a:srgbClr val="000000"/>
                   </a:solidFill>
@@ -1710,7 +1711,7 @@
             </a:ln>
             <a:extLst>
               <a:ext uri="{91240B29-F687-4f45-9708-019B960494DF}">
-                <a14:hiddenLine xmlns="" xmlns:a14="http://schemas.microsoft.com/office/drawing/2010/main" w="9525">
+                <a14:hiddenLine xmlns:a14="http://schemas.microsoft.com/office/drawing/2010/main" xmlns="" w="9525">
                   <a:solidFill>
                     <a:srgbClr val="000000"/>
                   </a:solidFill>
@@ -1766,7 +1767,7 @@
             </a:ln>
             <a:extLst>
               <a:ext uri="{91240B29-F687-4f45-9708-019B960494DF}">
-                <a14:hiddenLine xmlns="" xmlns:a14="http://schemas.microsoft.com/office/drawing/2010/main" w="9525">
+                <a14:hiddenLine xmlns:a14="http://schemas.microsoft.com/office/drawing/2010/main" xmlns="" w="9525">
                   <a:solidFill>
                     <a:srgbClr val="000000"/>
                   </a:solidFill>
@@ -1856,7 +1857,7 @@
             </a:ln>
             <a:extLst>
               <a:ext uri="{91240B29-F687-4f45-9708-019B960494DF}">
-                <a14:hiddenLine xmlns="" xmlns:a14="http://schemas.microsoft.com/office/drawing/2010/main" w="9525">
+                <a14:hiddenLine xmlns:a14="http://schemas.microsoft.com/office/drawing/2010/main" xmlns="" w="9525">
                   <a:solidFill>
                     <a:srgbClr val="000000"/>
                   </a:solidFill>
@@ -1912,7 +1913,7 @@
             </a:ln>
             <a:extLst>
               <a:ext uri="{91240B29-F687-4f45-9708-019B960494DF}">
-                <a14:hiddenLine xmlns="" xmlns:a14="http://schemas.microsoft.com/office/drawing/2010/main" w="9525">
+                <a14:hiddenLine xmlns:a14="http://schemas.microsoft.com/office/drawing/2010/main" xmlns="" w="9525">
                   <a:solidFill>
                     <a:srgbClr val="000000"/>
                   </a:solidFill>
@@ -2002,7 +2003,7 @@
             </a:ln>
             <a:extLst>
               <a:ext uri="{91240B29-F687-4f45-9708-019B960494DF}">
-                <a14:hiddenLine xmlns="" xmlns:a14="http://schemas.microsoft.com/office/drawing/2010/main" w="9525">
+                <a14:hiddenLine xmlns:a14="http://schemas.microsoft.com/office/drawing/2010/main" xmlns="" w="9525">
                   <a:solidFill>
                     <a:srgbClr val="000000"/>
                   </a:solidFill>
@@ -2070,7 +2071,7 @@
             </a:ln>
             <a:extLst>
               <a:ext uri="{91240B29-F687-4f45-9708-019B960494DF}">
-                <a14:hiddenLine xmlns="" xmlns:a14="http://schemas.microsoft.com/office/drawing/2010/main" w="9525">
+                <a14:hiddenLine xmlns:a14="http://schemas.microsoft.com/office/drawing/2010/main" xmlns="" w="9525">
                   <a:solidFill>
                     <a:srgbClr val="000000"/>
                   </a:solidFill>
@@ -2160,7 +2161,7 @@
             </a:ln>
             <a:extLst>
               <a:ext uri="{91240B29-F687-4f45-9708-019B960494DF}">
-                <a14:hiddenLine xmlns="" xmlns:a14="http://schemas.microsoft.com/office/drawing/2010/main" w="9525">
+                <a14:hiddenLine xmlns:a14="http://schemas.microsoft.com/office/drawing/2010/main" xmlns="" w="9525">
                   <a:solidFill>
                     <a:srgbClr val="000000"/>
                   </a:solidFill>
@@ -2228,7 +2229,7 @@
             </a:ln>
             <a:extLst>
               <a:ext uri="{91240B29-F687-4f45-9708-019B960494DF}">
-                <a14:hiddenLine xmlns="" xmlns:a14="http://schemas.microsoft.com/office/drawing/2010/main" w="9525">
+                <a14:hiddenLine xmlns:a14="http://schemas.microsoft.com/office/drawing/2010/main" xmlns="" w="9525">
                   <a:solidFill>
                     <a:srgbClr val="000000"/>
                   </a:solidFill>
@@ -2318,7 +2319,7 @@
             </a:ln>
             <a:extLst>
               <a:ext uri="{91240B29-F687-4f45-9708-019B960494DF}">
-                <a14:hiddenLine xmlns="" xmlns:a14="http://schemas.microsoft.com/office/drawing/2010/main" w="9525">
+                <a14:hiddenLine xmlns:a14="http://schemas.microsoft.com/office/drawing/2010/main" xmlns="" w="9525">
                   <a:solidFill>
                     <a:srgbClr val="000000"/>
                   </a:solidFill>
@@ -2352,7 +2353,7 @@
             </a:ln>
             <a:extLst>
               <a:ext uri="{91240B29-F687-4f45-9708-019B960494DF}">
-                <a14:hiddenLine xmlns="" xmlns:a14="http://schemas.microsoft.com/office/drawing/2010/main" w="9525">
+                <a14:hiddenLine xmlns:a14="http://schemas.microsoft.com/office/drawing/2010/main" xmlns="" w="9525">
                   <a:solidFill>
                     <a:srgbClr val="000000"/>
                   </a:solidFill>
@@ -2442,7 +2443,7 @@
             </a:ln>
             <a:extLst>
               <a:ext uri="{91240B29-F687-4f45-9708-019B960494DF}">
-                <a14:hiddenLine xmlns="" xmlns:a14="http://schemas.microsoft.com/office/drawing/2010/main" w="9525">
+                <a14:hiddenLine xmlns:a14="http://schemas.microsoft.com/office/drawing/2010/main" xmlns="" w="9525">
                   <a:solidFill>
                     <a:srgbClr val="000000"/>
                   </a:solidFill>
@@ -2504,7 +2505,7 @@
             </a:ln>
             <a:extLst>
               <a:ext uri="{91240B29-F687-4f45-9708-019B960494DF}">
-                <a14:hiddenLine xmlns="" xmlns:a14="http://schemas.microsoft.com/office/drawing/2010/main" w="9525">
+                <a14:hiddenLine xmlns:a14="http://schemas.microsoft.com/office/drawing/2010/main" xmlns="" w="9525">
                   <a:solidFill>
                     <a:srgbClr val="000000"/>
                   </a:solidFill>
@@ -2566,7 +2567,7 @@
             </a:ln>
             <a:extLst>
               <a:ext uri="{91240B29-F687-4f45-9708-019B960494DF}">
-                <a14:hiddenLine xmlns="" xmlns:a14="http://schemas.microsoft.com/office/drawing/2010/main" w="9525">
+                <a14:hiddenLine xmlns:a14="http://schemas.microsoft.com/office/drawing/2010/main" xmlns="" w="9525">
                   <a:solidFill>
                     <a:srgbClr val="000000"/>
                   </a:solidFill>
@@ -2656,7 +2657,7 @@
             </a:ln>
             <a:extLst>
               <a:ext uri="{91240B29-F687-4f45-9708-019B960494DF}">
-                <a14:hiddenLine xmlns="" xmlns:a14="http://schemas.microsoft.com/office/drawing/2010/main" w="9525">
+                <a14:hiddenLine xmlns:a14="http://schemas.microsoft.com/office/drawing/2010/main" xmlns="" w="9525">
                   <a:solidFill>
                     <a:srgbClr val="000000"/>
                   </a:solidFill>
@@ -2724,7 +2725,7 @@
             </a:ln>
             <a:extLst>
               <a:ext uri="{91240B29-F687-4f45-9708-019B960494DF}">
-                <a14:hiddenLine xmlns="" xmlns:a14="http://schemas.microsoft.com/office/drawing/2010/main" w="9525">
+                <a14:hiddenLine xmlns:a14="http://schemas.microsoft.com/office/drawing/2010/main" xmlns="" w="9525">
                   <a:solidFill>
                     <a:srgbClr val="000000"/>
                   </a:solidFill>
@@ -2786,7 +2787,7 @@
             </a:ln>
             <a:extLst>
               <a:ext uri="{91240B29-F687-4f45-9708-019B960494DF}">
-                <a14:hiddenLine xmlns="" xmlns:a14="http://schemas.microsoft.com/office/drawing/2010/main" w="9525">
+                <a14:hiddenLine xmlns:a14="http://schemas.microsoft.com/office/drawing/2010/main" xmlns="" w="9525">
                   <a:solidFill>
                     <a:srgbClr val="000000"/>
                   </a:solidFill>
@@ -2876,7 +2877,7 @@
             </a:ln>
             <a:extLst>
               <a:ext uri="{91240B29-F687-4f45-9708-019B960494DF}">
-                <a14:hiddenLine xmlns="" xmlns:a14="http://schemas.microsoft.com/office/drawing/2010/main" w="9525">
+                <a14:hiddenLine xmlns:a14="http://schemas.microsoft.com/office/drawing/2010/main" xmlns="" w="9525">
                   <a:solidFill>
                     <a:srgbClr val="000000"/>
                   </a:solidFill>
@@ -2938,7 +2939,7 @@
             </a:ln>
             <a:extLst>
               <a:ext uri="{91240B29-F687-4f45-9708-019B960494DF}">
-                <a14:hiddenLine xmlns="" xmlns:a14="http://schemas.microsoft.com/office/drawing/2010/main" w="9525">
+                <a14:hiddenLine xmlns:a14="http://schemas.microsoft.com/office/drawing/2010/main" xmlns="" w="9525">
                   <a:solidFill>
                     <a:srgbClr val="000000"/>
                   </a:solidFill>
@@ -3028,7 +3029,7 @@
             </a:ln>
             <a:extLst>
               <a:ext uri="{91240B29-F687-4f45-9708-019B960494DF}">
-                <a14:hiddenLine xmlns="" xmlns:a14="http://schemas.microsoft.com/office/drawing/2010/main" w="9525">
+                <a14:hiddenLine xmlns:a14="http://schemas.microsoft.com/office/drawing/2010/main" xmlns="" w="9525">
                   <a:solidFill>
                     <a:srgbClr val="000000"/>
                   </a:solidFill>
@@ -3090,7 +3091,7 @@
             </a:ln>
             <a:extLst>
               <a:ext uri="{91240B29-F687-4f45-9708-019B960494DF}">
-                <a14:hiddenLine xmlns="" xmlns:a14="http://schemas.microsoft.com/office/drawing/2010/main" w="9525">
+                <a14:hiddenLine xmlns:a14="http://schemas.microsoft.com/office/drawing/2010/main" xmlns="" w="9525">
                   <a:solidFill>
                     <a:srgbClr val="000000"/>
                   </a:solidFill>
@@ -3180,7 +3181,7 @@
             </a:ln>
             <a:extLst>
               <a:ext uri="{91240B29-F687-4f45-9708-019B960494DF}">
-                <a14:hiddenLine xmlns="" xmlns:a14="http://schemas.microsoft.com/office/drawing/2010/main" w="9525">
+                <a14:hiddenLine xmlns:a14="http://schemas.microsoft.com/office/drawing/2010/main" xmlns="" w="9525">
                   <a:solidFill>
                     <a:srgbClr val="000000"/>
                   </a:solidFill>
@@ -3214,7 +3215,7 @@
             </a:ln>
             <a:extLst>
               <a:ext uri="{91240B29-F687-4f45-9708-019B960494DF}">
-                <a14:hiddenLine xmlns="" xmlns:a14="http://schemas.microsoft.com/office/drawing/2010/main" w="9525">
+                <a14:hiddenLine xmlns:a14="http://schemas.microsoft.com/office/drawing/2010/main" xmlns="" w="9525">
                   <a:solidFill>
                     <a:srgbClr val="000000"/>
                   </a:solidFill>
@@ -3279,7 +3280,7 @@
             </a:ln>
             <a:extLst>
               <a:ext uri="{91240B29-F687-4f45-9708-019B960494DF}">
-                <a14:hiddenLine xmlns="" xmlns:a14="http://schemas.microsoft.com/office/drawing/2010/main" w="9525">
+                <a14:hiddenLine xmlns:a14="http://schemas.microsoft.com/office/drawing/2010/main" xmlns="" w="9525">
                   <a:solidFill>
                     <a:srgbClr val="000000"/>
                   </a:solidFill>
@@ -3369,7 +3370,7 @@
             </a:ln>
             <a:extLst>
               <a:ext uri="{91240B29-F687-4f45-9708-019B960494DF}">
-                <a14:hiddenLine xmlns="" xmlns:a14="http://schemas.microsoft.com/office/drawing/2010/main" w="9525">
+                <a14:hiddenLine xmlns:a14="http://schemas.microsoft.com/office/drawing/2010/main" xmlns="" w="9525">
                   <a:solidFill>
                     <a:srgbClr val="000000"/>
                   </a:solidFill>
@@ -3431,7 +3432,7 @@
             </a:ln>
             <a:extLst>
               <a:ext uri="{91240B29-F687-4f45-9708-019B960494DF}">
-                <a14:hiddenLine xmlns="" xmlns:a14="http://schemas.microsoft.com/office/drawing/2010/main" w="9525">
+                <a14:hiddenLine xmlns:a14="http://schemas.microsoft.com/office/drawing/2010/main" xmlns="" w="9525">
                   <a:solidFill>
                     <a:srgbClr val="000000"/>
                   </a:solidFill>
@@ -3521,7 +3522,7 @@
             </a:ln>
             <a:extLst>
               <a:ext uri="{91240B29-F687-4f45-9708-019B960494DF}">
-                <a14:hiddenLine xmlns="" xmlns:a14="http://schemas.microsoft.com/office/drawing/2010/main" w="9525">
+                <a14:hiddenLine xmlns:a14="http://schemas.microsoft.com/office/drawing/2010/main" xmlns="" w="9525">
                   <a:solidFill>
                     <a:srgbClr val="000000"/>
                   </a:solidFill>
@@ -3611,7 +3612,7 @@
             </a:ln>
             <a:extLst>
               <a:ext uri="{91240B29-F687-4f45-9708-019B960494DF}">
-                <a14:hiddenLine xmlns="" xmlns:a14="http://schemas.microsoft.com/office/drawing/2010/main" w="9525">
+                <a14:hiddenLine xmlns:a14="http://schemas.microsoft.com/office/drawing/2010/main" xmlns="" w="9525">
                   <a:solidFill>
                     <a:srgbClr val="000000"/>
                   </a:solidFill>
@@ -3676,7 +3677,7 @@
             </a:ln>
             <a:extLst>
               <a:ext uri="{91240B29-F687-4f45-9708-019B960494DF}">
-                <a14:hiddenLine xmlns="" xmlns:a14="http://schemas.microsoft.com/office/drawing/2010/main" w="9525">
+                <a14:hiddenLine xmlns:a14="http://schemas.microsoft.com/office/drawing/2010/main" xmlns="" w="9525">
                   <a:solidFill>
                     <a:srgbClr val="000000"/>
                   </a:solidFill>
@@ -3738,7 +3739,7 @@
             </a:ln>
             <a:extLst>
               <a:ext uri="{91240B29-F687-4f45-9708-019B960494DF}">
-                <a14:hiddenLine xmlns="" xmlns:a14="http://schemas.microsoft.com/office/drawing/2010/main" w="9525">
+                <a14:hiddenLine xmlns:a14="http://schemas.microsoft.com/office/drawing/2010/main" xmlns="" w="9525">
                   <a:solidFill>
                     <a:srgbClr val="000000"/>
                   </a:solidFill>
@@ -3828,7 +3829,7 @@
             </a:ln>
             <a:extLst>
               <a:ext uri="{91240B29-F687-4f45-9708-019B960494DF}">
-                <a14:hiddenLine xmlns="" xmlns:a14="http://schemas.microsoft.com/office/drawing/2010/main" w="9525">
+                <a14:hiddenLine xmlns:a14="http://schemas.microsoft.com/office/drawing/2010/main" xmlns="" w="9525">
                   <a:solidFill>
                     <a:srgbClr val="000000"/>
                   </a:solidFill>
@@ -3918,7 +3919,7 @@
             </a:ln>
             <a:extLst>
               <a:ext uri="{91240B29-F687-4f45-9708-019B960494DF}">
-                <a14:hiddenLine xmlns="" xmlns:a14="http://schemas.microsoft.com/office/drawing/2010/main" w="9525">
+                <a14:hiddenLine xmlns:a14="http://schemas.microsoft.com/office/drawing/2010/main" xmlns="" w="9525">
                   <a:solidFill>
                     <a:srgbClr val="000000"/>
                   </a:solidFill>
@@ -3980,7 +3981,7 @@
             </a:ln>
             <a:extLst>
               <a:ext uri="{91240B29-F687-4f45-9708-019B960494DF}">
-                <a14:hiddenLine xmlns="" xmlns:a14="http://schemas.microsoft.com/office/drawing/2010/main" w="9525">
+                <a14:hiddenLine xmlns:a14="http://schemas.microsoft.com/office/drawing/2010/main" xmlns="" w="9525">
                   <a:solidFill>
                     <a:srgbClr val="000000"/>
                   </a:solidFill>
@@ -4100,7 +4101,7 @@
             </a:ln>
             <a:extLst>
               <a:ext uri="{91240B29-F687-4f45-9708-019B960494DF}">
-                <a14:hiddenLine xmlns="" xmlns:a14="http://schemas.microsoft.com/office/drawing/2010/main" w="9525">
+                <a14:hiddenLine xmlns:a14="http://schemas.microsoft.com/office/drawing/2010/main" xmlns="" w="9525">
                   <a:solidFill>
                     <a:srgbClr val="000000"/>
                   </a:solidFill>
@@ -4168,7 +4169,7 @@
             </a:ln>
             <a:extLst>
               <a:ext uri="{91240B29-F687-4f45-9708-019B960494DF}">
-                <a14:hiddenLine xmlns="" xmlns:a14="http://schemas.microsoft.com/office/drawing/2010/main" w="9525">
+                <a14:hiddenLine xmlns:a14="http://schemas.microsoft.com/office/drawing/2010/main" xmlns="" w="9525">
                   <a:solidFill>
                     <a:srgbClr val="000000"/>
                   </a:solidFill>
@@ -4258,7 +4259,7 @@
             </a:ln>
             <a:extLst>
               <a:ext uri="{91240B29-F687-4f45-9708-019B960494DF}">
-                <a14:hiddenLine xmlns="" xmlns:a14="http://schemas.microsoft.com/office/drawing/2010/main" w="9525">
+                <a14:hiddenLine xmlns:a14="http://schemas.microsoft.com/office/drawing/2010/main" xmlns="" w="9525">
                   <a:solidFill>
                     <a:srgbClr val="000000"/>
                   </a:solidFill>
@@ -4398,7 +4399,7 @@
           <a:p>
             <a:fld id="{48A87A34-81AB-432B-8DAE-1953F412C126}" type="datetimeFigureOut">
               <a:rPr lang="en-US" dirty="0"/>
-              <a:t>5/22/2022</a:t>
+              <a:t>5/23/2022</a:t>
             </a:fld>
             <a:endParaRPr lang="en-US" dirty="0"/>
           </a:p>
@@ -4660,7 +4661,7 @@
           <a:p>
             <a:fld id="{48A87A34-81AB-432B-8DAE-1953F412C126}" type="datetimeFigureOut">
               <a:rPr lang="en-US" dirty="0"/>
-              <a:t>5/22/2022</a:t>
+              <a:t>5/23/2022</a:t>
             </a:fld>
             <a:endParaRPr lang="en-US" dirty="0"/>
           </a:p>
@@ -4851,7 +4852,7 @@
           <a:p>
             <a:fld id="{48A87A34-81AB-432B-8DAE-1953F412C126}" type="datetimeFigureOut">
               <a:rPr lang="en-US" dirty="0"/>
-              <a:t>5/22/2022</a:t>
+              <a:t>5/23/2022</a:t>
             </a:fld>
             <a:endParaRPr lang="en-US" dirty="0"/>
           </a:p>
@@ -5109,7 +5110,7 @@
           <a:p>
             <a:fld id="{48A87A34-81AB-432B-8DAE-1953F412C126}" type="datetimeFigureOut">
               <a:rPr lang="en-US" dirty="0"/>
-              <a:t>5/22/2022</a:t>
+              <a:t>5/23/2022</a:t>
             </a:fld>
             <a:endParaRPr lang="en-US" dirty="0"/>
           </a:p>
@@ -5538,7 +5539,7 @@
           <a:p>
             <a:fld id="{48A87A34-81AB-432B-8DAE-1953F412C126}" type="datetimeFigureOut">
               <a:rPr lang="en-US" dirty="0"/>
-              <a:t>5/22/2022</a:t>
+              <a:t>5/23/2022</a:t>
             </a:fld>
             <a:endParaRPr lang="en-US" dirty="0"/>
           </a:p>
@@ -6079,7 +6080,7 @@
           <a:p>
             <a:fld id="{48A87A34-81AB-432B-8DAE-1953F412C126}" type="datetimeFigureOut">
               <a:rPr lang="en-US" dirty="0"/>
-              <a:t>5/22/2022</a:t>
+              <a:t>5/23/2022</a:t>
             </a:fld>
             <a:endParaRPr lang="en-US" dirty="0"/>
           </a:p>
@@ -6794,7 +6795,7 @@
           <a:p>
             <a:fld id="{48A87A34-81AB-432B-8DAE-1953F412C126}" type="datetimeFigureOut">
               <a:rPr lang="en-US" dirty="0"/>
-              <a:t>5/22/2022</a:t>
+              <a:t>5/23/2022</a:t>
             </a:fld>
             <a:endParaRPr lang="en-US" dirty="0"/>
           </a:p>
@@ -6959,7 +6960,7 @@
           <a:p>
             <a:fld id="{48A87A34-81AB-432B-8DAE-1953F412C126}" type="datetimeFigureOut">
               <a:rPr lang="en-US" dirty="0"/>
-              <a:t>5/22/2022</a:t>
+              <a:t>5/23/2022</a:t>
             </a:fld>
             <a:endParaRPr lang="en-US" dirty="0"/>
           </a:p>
@@ -7134,7 +7135,7 @@
           <a:p>
             <a:fld id="{48A87A34-81AB-432B-8DAE-1953F412C126}" type="datetimeFigureOut">
               <a:rPr lang="en-US" dirty="0"/>
-              <a:t>5/22/2022</a:t>
+              <a:t>5/23/2022</a:t>
             </a:fld>
             <a:endParaRPr lang="en-US" dirty="0"/>
           </a:p>
@@ -7299,7 +7300,7 @@
           <a:p>
             <a:fld id="{48A87A34-81AB-432B-8DAE-1953F412C126}" type="datetimeFigureOut">
               <a:rPr lang="en-US" dirty="0"/>
-              <a:t>5/22/2022</a:t>
+              <a:t>5/23/2022</a:t>
             </a:fld>
             <a:endParaRPr lang="en-US" dirty="0"/>
           </a:p>
@@ -7544,7 +7545,7 @@
           <a:p>
             <a:fld id="{48A87A34-81AB-432B-8DAE-1953F412C126}" type="datetimeFigureOut">
               <a:rPr lang="en-US" dirty="0"/>
-              <a:t>5/22/2022</a:t>
+              <a:t>5/23/2022</a:t>
             </a:fld>
             <a:endParaRPr lang="en-US" dirty="0"/>
           </a:p>
@@ -7771,7 +7772,7 @@
           <a:p>
             <a:fld id="{48A87A34-81AB-432B-8DAE-1953F412C126}" type="datetimeFigureOut">
               <a:rPr lang="en-US" dirty="0"/>
-              <a:t>5/22/2022</a:t>
+              <a:t>5/23/2022</a:t>
             </a:fld>
             <a:endParaRPr lang="en-US" dirty="0"/>
           </a:p>
@@ -8147,7 +8148,7 @@
           <a:p>
             <a:fld id="{48A87A34-81AB-432B-8DAE-1953F412C126}" type="datetimeFigureOut">
               <a:rPr lang="en-US" dirty="0"/>
-              <a:t>5/22/2022</a:t>
+              <a:t>5/23/2022</a:t>
             </a:fld>
             <a:endParaRPr lang="en-US" dirty="0"/>
           </a:p>
@@ -8260,7 +8261,7 @@
           <a:p>
             <a:fld id="{48A87A34-81AB-432B-8DAE-1953F412C126}" type="datetimeFigureOut">
               <a:rPr lang="en-US" dirty="0"/>
-              <a:t>5/22/2022</a:t>
+              <a:t>5/23/2022</a:t>
             </a:fld>
             <a:endParaRPr lang="en-US" dirty="0"/>
           </a:p>
@@ -8350,7 +8351,7 @@
           <a:p>
             <a:fld id="{48A87A34-81AB-432B-8DAE-1953F412C126}" type="datetimeFigureOut">
               <a:rPr lang="en-US" dirty="0"/>
-              <a:t>5/22/2022</a:t>
+              <a:t>5/23/2022</a:t>
             </a:fld>
             <a:endParaRPr lang="en-US" dirty="0"/>
           </a:p>
@@ -8594,7 +8595,7 @@
           <a:p>
             <a:fld id="{48A87A34-81AB-432B-8DAE-1953F412C126}" type="datetimeFigureOut">
               <a:rPr lang="en-US" dirty="0"/>
-              <a:t>5/22/2022</a:t>
+              <a:t>5/23/2022</a:t>
             </a:fld>
             <a:endParaRPr lang="en-US" dirty="0"/>
           </a:p>
@@ -8869,7 +8870,7 @@
           <a:p>
             <a:fld id="{48A87A34-81AB-432B-8DAE-1953F412C126}" type="datetimeFigureOut">
               <a:rPr lang="en-US" dirty="0"/>
-              <a:t>5/22/2022</a:t>
+              <a:t>5/23/2022</a:t>
             </a:fld>
             <a:endParaRPr lang="en-US" dirty="0"/>
           </a:p>
@@ -8980,7 +8981,7 @@
           <a:noFill/>
           <a:extLst>
             <a:ext uri="{909E8E84-426E-40dd-AFC4-6F175D3DCCD1}">
-              <a14:hiddenFill xmlns="" xmlns:a14="http://schemas.microsoft.com/office/drawing/2010/main">
+              <a14:hiddenFill xmlns:a14="http://schemas.microsoft.com/office/drawing/2010/main" xmlns="">
                 <a:solidFill>
                   <a:srgbClr val="FFFFFF"/>
                 </a:solidFill>
@@ -9054,7 +9055,7 @@
               </a:ln>
               <a:extLst>
                 <a:ext uri="{91240B29-F687-4f45-9708-019B960494DF}">
-                  <a14:hiddenLine xmlns="" xmlns:a14="http://schemas.microsoft.com/office/drawing/2010/main" w="9525">
+                  <a14:hiddenLine xmlns:a14="http://schemas.microsoft.com/office/drawing/2010/main" xmlns="" w="9525">
                     <a:solidFill>
                       <a:srgbClr val="000000"/>
                     </a:solidFill>
@@ -9144,7 +9145,7 @@
               </a:ln>
               <a:extLst>
                 <a:ext uri="{91240B29-F687-4f45-9708-019B960494DF}">
-                  <a14:hiddenLine xmlns="" xmlns:a14="http://schemas.microsoft.com/office/drawing/2010/main" w="9525">
+                  <a14:hiddenLine xmlns:a14="http://schemas.microsoft.com/office/drawing/2010/main" xmlns="" w="9525">
                     <a:solidFill>
                       <a:srgbClr val="000000"/>
                     </a:solidFill>
@@ -9234,7 +9235,7 @@
               </a:ln>
               <a:extLst>
                 <a:ext uri="{91240B29-F687-4f45-9708-019B960494DF}">
-                  <a14:hiddenLine xmlns="" xmlns:a14="http://schemas.microsoft.com/office/drawing/2010/main" w="9525">
+                  <a14:hiddenLine xmlns:a14="http://schemas.microsoft.com/office/drawing/2010/main" xmlns="" w="9525">
                     <a:solidFill>
                       <a:srgbClr val="000000"/>
                     </a:solidFill>
@@ -9296,7 +9297,7 @@
               </a:ln>
               <a:extLst>
                 <a:ext uri="{91240B29-F687-4f45-9708-019B960494DF}">
-                  <a14:hiddenLine xmlns="" xmlns:a14="http://schemas.microsoft.com/office/drawing/2010/main" w="9525">
+                  <a14:hiddenLine xmlns:a14="http://schemas.microsoft.com/office/drawing/2010/main" xmlns="" w="9525">
                     <a:solidFill>
                       <a:srgbClr val="000000"/>
                     </a:solidFill>
@@ -9386,7 +9387,7 @@
               </a:ln>
               <a:extLst>
                 <a:ext uri="{91240B29-F687-4f45-9708-019B960494DF}">
-                  <a14:hiddenLine xmlns="" xmlns:a14="http://schemas.microsoft.com/office/drawing/2010/main" w="9525">
+                  <a14:hiddenLine xmlns:a14="http://schemas.microsoft.com/office/drawing/2010/main" xmlns="" w="9525">
                     <a:solidFill>
                       <a:srgbClr val="000000"/>
                     </a:solidFill>
@@ -9448,7 +9449,7 @@
               </a:ln>
               <a:extLst>
                 <a:ext uri="{91240B29-F687-4f45-9708-019B960494DF}">
-                  <a14:hiddenLine xmlns="" xmlns:a14="http://schemas.microsoft.com/office/drawing/2010/main" w="9525">
+                  <a14:hiddenLine xmlns:a14="http://schemas.microsoft.com/office/drawing/2010/main" xmlns="" w="9525">
                     <a:solidFill>
                       <a:srgbClr val="000000"/>
                     </a:solidFill>
@@ -9510,7 +9511,7 @@
               </a:ln>
               <a:extLst>
                 <a:ext uri="{91240B29-F687-4f45-9708-019B960494DF}">
-                  <a14:hiddenLine xmlns="" xmlns:a14="http://schemas.microsoft.com/office/drawing/2010/main" w="9525">
+                  <a14:hiddenLine xmlns:a14="http://schemas.microsoft.com/office/drawing/2010/main" xmlns="" w="9525">
                     <a:solidFill>
                       <a:srgbClr val="000000"/>
                     </a:solidFill>
@@ -9600,7 +9601,7 @@
               </a:ln>
               <a:extLst>
                 <a:ext uri="{91240B29-F687-4f45-9708-019B960494DF}">
-                  <a14:hiddenLine xmlns="" xmlns:a14="http://schemas.microsoft.com/office/drawing/2010/main" w="9525">
+                  <a14:hiddenLine xmlns:a14="http://schemas.microsoft.com/office/drawing/2010/main" xmlns="" w="9525">
                     <a:solidFill>
                       <a:srgbClr val="000000"/>
                     </a:solidFill>
@@ -9690,7 +9691,7 @@
               </a:ln>
               <a:extLst>
                 <a:ext uri="{91240B29-F687-4f45-9708-019B960494DF}">
-                  <a14:hiddenLine xmlns="" xmlns:a14="http://schemas.microsoft.com/office/drawing/2010/main" w="9525">
+                  <a14:hiddenLine xmlns:a14="http://schemas.microsoft.com/office/drawing/2010/main" xmlns="" w="9525">
                     <a:solidFill>
                       <a:srgbClr val="000000"/>
                     </a:solidFill>
@@ -9752,7 +9753,7 @@
               </a:ln>
               <a:extLst>
                 <a:ext uri="{91240B29-F687-4f45-9708-019B960494DF}">
-                  <a14:hiddenLine xmlns="" xmlns:a14="http://schemas.microsoft.com/office/drawing/2010/main" w="9525">
+                  <a14:hiddenLine xmlns:a14="http://schemas.microsoft.com/office/drawing/2010/main" xmlns="" w="9525">
                     <a:solidFill>
                       <a:srgbClr val="000000"/>
                     </a:solidFill>
@@ -9862,7 +9863,7 @@
               </a:ln>
               <a:extLst>
                 <a:ext uri="{91240B29-F687-4f45-9708-019B960494DF}">
-                  <a14:hiddenLine xmlns="" xmlns:a14="http://schemas.microsoft.com/office/drawing/2010/main" w="9525">
+                  <a14:hiddenLine xmlns:a14="http://schemas.microsoft.com/office/drawing/2010/main" xmlns="" w="9525">
                     <a:solidFill>
                       <a:srgbClr val="000000"/>
                     </a:solidFill>
@@ -9946,7 +9947,7 @@
               </a:ln>
               <a:extLst>
                 <a:ext uri="{91240B29-F687-4f45-9708-019B960494DF}">
-                  <a14:hiddenLine xmlns="" xmlns:a14="http://schemas.microsoft.com/office/drawing/2010/main" w="9525">
+                  <a14:hiddenLine xmlns:a14="http://schemas.microsoft.com/office/drawing/2010/main" xmlns="" w="9525">
                     <a:solidFill>
                       <a:srgbClr val="000000"/>
                     </a:solidFill>
@@ -10008,7 +10009,7 @@
               </a:ln>
               <a:extLst>
                 <a:ext uri="{91240B29-F687-4f45-9708-019B960494DF}">
-                  <a14:hiddenLine xmlns="" xmlns:a14="http://schemas.microsoft.com/office/drawing/2010/main" w="9525">
+                  <a14:hiddenLine xmlns:a14="http://schemas.microsoft.com/office/drawing/2010/main" xmlns="" w="9525">
                     <a:solidFill>
                       <a:srgbClr val="000000"/>
                     </a:solidFill>
@@ -10070,7 +10071,7 @@
               </a:ln>
               <a:extLst>
                 <a:ext uri="{91240B29-F687-4f45-9708-019B960494DF}">
-                  <a14:hiddenLine xmlns="" xmlns:a14="http://schemas.microsoft.com/office/drawing/2010/main" w="9525">
+                  <a14:hiddenLine xmlns:a14="http://schemas.microsoft.com/office/drawing/2010/main" xmlns="" w="9525">
                     <a:solidFill>
                       <a:srgbClr val="000000"/>
                     </a:solidFill>
@@ -10160,7 +10161,7 @@
               </a:ln>
               <a:extLst>
                 <a:ext uri="{91240B29-F687-4f45-9708-019B960494DF}">
-                  <a14:hiddenLine xmlns="" xmlns:a14="http://schemas.microsoft.com/office/drawing/2010/main" w="9525">
+                  <a14:hiddenLine xmlns:a14="http://schemas.microsoft.com/office/drawing/2010/main" xmlns="" w="9525">
                     <a:solidFill>
                       <a:srgbClr val="000000"/>
                     </a:solidFill>
@@ -10194,7 +10195,7 @@
               </a:ln>
               <a:extLst>
                 <a:ext uri="{91240B29-F687-4f45-9708-019B960494DF}">
-                  <a14:hiddenLine xmlns="" xmlns:a14="http://schemas.microsoft.com/office/drawing/2010/main" w="9525">
+                  <a14:hiddenLine xmlns:a14="http://schemas.microsoft.com/office/drawing/2010/main" xmlns="" w="9525">
                     <a:solidFill>
                       <a:srgbClr val="000000"/>
                     </a:solidFill>
@@ -10259,7 +10260,7 @@
               </a:ln>
               <a:extLst>
                 <a:ext uri="{91240B29-F687-4f45-9708-019B960494DF}">
-                  <a14:hiddenLine xmlns="" xmlns:a14="http://schemas.microsoft.com/office/drawing/2010/main" w="9525">
+                  <a14:hiddenLine xmlns:a14="http://schemas.microsoft.com/office/drawing/2010/main" xmlns="" w="9525">
                     <a:solidFill>
                       <a:srgbClr val="000000"/>
                     </a:solidFill>
@@ -10349,7 +10350,7 @@
               </a:ln>
               <a:extLst>
                 <a:ext uri="{91240B29-F687-4f45-9708-019B960494DF}">
-                  <a14:hiddenLine xmlns="" xmlns:a14="http://schemas.microsoft.com/office/drawing/2010/main" w="9525">
+                  <a14:hiddenLine xmlns:a14="http://schemas.microsoft.com/office/drawing/2010/main" xmlns="" w="9525">
                     <a:solidFill>
                       <a:srgbClr val="000000"/>
                     </a:solidFill>
@@ -10411,7 +10412,7 @@
               </a:ln>
               <a:extLst>
                 <a:ext uri="{91240B29-F687-4f45-9708-019B960494DF}">
-                  <a14:hiddenLine xmlns="" xmlns:a14="http://schemas.microsoft.com/office/drawing/2010/main" w="9525">
+                  <a14:hiddenLine xmlns:a14="http://schemas.microsoft.com/office/drawing/2010/main" xmlns="" w="9525">
                     <a:solidFill>
                       <a:srgbClr val="000000"/>
                     </a:solidFill>
@@ -10501,7 +10502,7 @@
               </a:ln>
               <a:extLst>
                 <a:ext uri="{91240B29-F687-4f45-9708-019B960494DF}">
-                  <a14:hiddenLine xmlns="" xmlns:a14="http://schemas.microsoft.com/office/drawing/2010/main" w="9525">
+                  <a14:hiddenLine xmlns:a14="http://schemas.microsoft.com/office/drawing/2010/main" xmlns="" w="9525">
                     <a:solidFill>
                       <a:srgbClr val="000000"/>
                     </a:solidFill>
@@ -10566,7 +10567,7 @@
               </a:ln>
               <a:extLst>
                 <a:ext uri="{91240B29-F687-4f45-9708-019B960494DF}">
-                  <a14:hiddenLine xmlns="" xmlns:a14="http://schemas.microsoft.com/office/drawing/2010/main" w="9525">
+                  <a14:hiddenLine xmlns:a14="http://schemas.microsoft.com/office/drawing/2010/main" xmlns="" w="9525">
                     <a:solidFill>
                       <a:srgbClr val="000000"/>
                     </a:solidFill>
@@ -10628,7 +10629,7 @@
               </a:ln>
               <a:extLst>
                 <a:ext uri="{91240B29-F687-4f45-9708-019B960494DF}">
-                  <a14:hiddenLine xmlns="" xmlns:a14="http://schemas.microsoft.com/office/drawing/2010/main" w="9525">
+                  <a14:hiddenLine xmlns:a14="http://schemas.microsoft.com/office/drawing/2010/main" xmlns="" w="9525">
                     <a:solidFill>
                       <a:srgbClr val="000000"/>
                     </a:solidFill>
@@ -10718,7 +10719,7 @@
               </a:ln>
               <a:extLst>
                 <a:ext uri="{91240B29-F687-4f45-9708-019B960494DF}">
-                  <a14:hiddenLine xmlns="" xmlns:a14="http://schemas.microsoft.com/office/drawing/2010/main" w="9525">
+                  <a14:hiddenLine xmlns:a14="http://schemas.microsoft.com/office/drawing/2010/main" xmlns="" w="9525">
                     <a:solidFill>
                       <a:srgbClr val="000000"/>
                     </a:solidFill>
@@ -10808,7 +10809,7 @@
               </a:ln>
               <a:extLst>
                 <a:ext uri="{91240B29-F687-4f45-9708-019B960494DF}">
-                  <a14:hiddenLine xmlns="" xmlns:a14="http://schemas.microsoft.com/office/drawing/2010/main" w="9525">
+                  <a14:hiddenLine xmlns:a14="http://schemas.microsoft.com/office/drawing/2010/main" xmlns="" w="9525">
                     <a:solidFill>
                       <a:srgbClr val="000000"/>
                     </a:solidFill>
@@ -10873,7 +10874,7 @@
               </a:ln>
               <a:extLst>
                 <a:ext uri="{91240B29-F687-4f45-9708-019B960494DF}">
-                  <a14:hiddenLine xmlns="" xmlns:a14="http://schemas.microsoft.com/office/drawing/2010/main" w="9525">
+                  <a14:hiddenLine xmlns:a14="http://schemas.microsoft.com/office/drawing/2010/main" xmlns="" w="9525">
                     <a:solidFill>
                       <a:srgbClr val="000000"/>
                     </a:solidFill>
@@ -10993,7 +10994,7 @@
               </a:ln>
               <a:extLst>
                 <a:ext uri="{91240B29-F687-4f45-9708-019B960494DF}">
-                  <a14:hiddenLine xmlns="" xmlns:a14="http://schemas.microsoft.com/office/drawing/2010/main" w="9525">
+                  <a14:hiddenLine xmlns:a14="http://schemas.microsoft.com/office/drawing/2010/main" xmlns="" w="9525">
                     <a:solidFill>
                       <a:srgbClr val="000000"/>
                     </a:solidFill>
@@ -11091,7 +11092,7 @@
               </a:ln>
               <a:extLst>
                 <a:ext uri="{91240B29-F687-4f45-9708-019B960494DF}">
-                  <a14:hiddenLine xmlns="" xmlns:a14="http://schemas.microsoft.com/office/drawing/2010/main" w="9525">
+                  <a14:hiddenLine xmlns:a14="http://schemas.microsoft.com/office/drawing/2010/main" xmlns="" w="9525">
                     <a:solidFill>
                       <a:srgbClr val="000000"/>
                     </a:solidFill>
@@ -11206,7 +11207,7 @@
               </a:ln>
               <a:extLst>
                 <a:ext uri="{91240B29-F687-4f45-9708-019B960494DF}">
-                  <a14:hiddenLine xmlns="" xmlns:a14="http://schemas.microsoft.com/office/drawing/2010/main" w="9525">
+                  <a14:hiddenLine xmlns:a14="http://schemas.microsoft.com/office/drawing/2010/main" xmlns="" w="9525">
                     <a:solidFill>
                       <a:srgbClr val="000000"/>
                     </a:solidFill>
@@ -11296,7 +11297,7 @@
               </a:ln>
               <a:extLst>
                 <a:ext uri="{91240B29-F687-4f45-9708-019B960494DF}">
-                  <a14:hiddenLine xmlns="" xmlns:a14="http://schemas.microsoft.com/office/drawing/2010/main" w="9525">
+                  <a14:hiddenLine xmlns:a14="http://schemas.microsoft.com/office/drawing/2010/main" xmlns="" w="9525">
                     <a:solidFill>
                       <a:srgbClr val="000000"/>
                     </a:solidFill>
@@ -11361,7 +11362,7 @@
               </a:ln>
               <a:extLst>
                 <a:ext uri="{91240B29-F687-4f45-9708-019B960494DF}">
-                  <a14:hiddenLine xmlns="" xmlns:a14="http://schemas.microsoft.com/office/drawing/2010/main" w="9525">
+                  <a14:hiddenLine xmlns:a14="http://schemas.microsoft.com/office/drawing/2010/main" xmlns="" w="9525">
                     <a:solidFill>
                       <a:srgbClr val="000000"/>
                     </a:solidFill>
@@ -11451,7 +11452,7 @@
               </a:ln>
               <a:extLst>
                 <a:ext uri="{91240B29-F687-4f45-9708-019B960494DF}">
-                  <a14:hiddenLine xmlns="" xmlns:a14="http://schemas.microsoft.com/office/drawing/2010/main" w="9525">
+                  <a14:hiddenLine xmlns:a14="http://schemas.microsoft.com/office/drawing/2010/main" xmlns="" w="9525">
                     <a:solidFill>
                       <a:srgbClr val="000000"/>
                     </a:solidFill>
@@ -11519,7 +11520,7 @@
               </a:ln>
               <a:extLst>
                 <a:ext uri="{91240B29-F687-4f45-9708-019B960494DF}">
-                  <a14:hiddenLine xmlns="" xmlns:a14="http://schemas.microsoft.com/office/drawing/2010/main" w="9525">
+                  <a14:hiddenLine xmlns:a14="http://schemas.microsoft.com/office/drawing/2010/main" xmlns="" w="9525">
                     <a:solidFill>
                       <a:srgbClr val="000000"/>
                     </a:solidFill>
@@ -11609,7 +11610,7 @@
               </a:ln>
               <a:extLst>
                 <a:ext uri="{91240B29-F687-4f45-9708-019B960494DF}">
-                  <a14:hiddenLine xmlns="" xmlns:a14="http://schemas.microsoft.com/office/drawing/2010/main" w="9525">
+                  <a14:hiddenLine xmlns:a14="http://schemas.microsoft.com/office/drawing/2010/main" xmlns="" w="9525">
                     <a:solidFill>
                       <a:srgbClr val="000000"/>
                     </a:solidFill>
@@ -11677,7 +11678,7 @@
               </a:ln>
               <a:extLst>
                 <a:ext uri="{91240B29-F687-4f45-9708-019B960494DF}">
-                  <a14:hiddenLine xmlns="" xmlns:a14="http://schemas.microsoft.com/office/drawing/2010/main" w="9525">
+                  <a14:hiddenLine xmlns:a14="http://schemas.microsoft.com/office/drawing/2010/main" xmlns="" w="9525">
                     <a:solidFill>
                       <a:srgbClr val="000000"/>
                     </a:solidFill>
@@ -11767,7 +11768,7 @@
               </a:ln>
               <a:extLst>
                 <a:ext uri="{91240B29-F687-4f45-9708-019B960494DF}">
-                  <a14:hiddenLine xmlns="" xmlns:a14="http://schemas.microsoft.com/office/drawing/2010/main" w="9525">
+                  <a14:hiddenLine xmlns:a14="http://schemas.microsoft.com/office/drawing/2010/main" xmlns="" w="9525">
                     <a:solidFill>
                       <a:srgbClr val="000000"/>
                     </a:solidFill>
@@ -11801,7 +11802,7 @@
               </a:ln>
               <a:extLst>
                 <a:ext uri="{91240B29-F687-4f45-9708-019B960494DF}">
-                  <a14:hiddenLine xmlns="" xmlns:a14="http://schemas.microsoft.com/office/drawing/2010/main" w="9525">
+                  <a14:hiddenLine xmlns:a14="http://schemas.microsoft.com/office/drawing/2010/main" xmlns="" w="9525">
                     <a:solidFill>
                       <a:srgbClr val="000000"/>
                     </a:solidFill>
@@ -11942,7 +11943,7 @@
             <a:fld id="{48A87A34-81AB-432B-8DAE-1953F412C126}" type="datetimeFigureOut">
               <a:rPr lang="en-US" dirty="0"/>
               <a:pPr/>
-              <a:t>5/22/2022</a:t>
+              <a:t>5/23/2022</a:t>
             </a:fld>
             <a:endParaRPr lang="en-US" dirty="0"/>
           </a:p>
@@ -12380,29 +12381,36 @@
           <a:p>
             <a:pPr algn="ctr"/>
             <a:r>
-              <a:rPr lang="en-US" dirty="0"/>
-              <a:t>Xây dựng ứng </a:t>
+              <a:rPr lang="en-US" dirty="0">
+                <a:latin typeface="Times New Roman" panose="02020603050405020304" pitchFamily="18" charset="0"/>
+                <a:cs typeface="Times New Roman" panose="02020603050405020304" pitchFamily="18" charset="0"/>
+              </a:rPr>
+              <a:t>Xây dựng ứng dụng </a:t>
             </a:r>
             <a:r>
-              <a:rPr lang="en-US"/>
-              <a:t>dụng </a:t>
-            </a:r>
-            <a:r>
-              <a:rPr lang="en-US" smtClean="0"/>
+              <a:rPr lang="en-US" dirty="0" smtClean="0">
+                <a:latin typeface="Times New Roman" panose="02020603050405020304" pitchFamily="18" charset="0"/>
+                <a:cs typeface="Times New Roman" panose="02020603050405020304" pitchFamily="18" charset="0"/>
+              </a:rPr>
               <a:t/>
             </a:r>
             <a:br>
-              <a:rPr lang="en-US" smtClean="0"/>
+              <a:rPr lang="en-US" dirty="0" smtClean="0">
+                <a:latin typeface="Times New Roman" panose="02020603050405020304" pitchFamily="18" charset="0"/>
+                <a:cs typeface="Times New Roman" panose="02020603050405020304" pitchFamily="18" charset="0"/>
+              </a:rPr>
             </a:br>
             <a:r>
-              <a:rPr lang="en-US" smtClean="0"/>
-              <a:t>phân </a:t>
+              <a:rPr lang="en-US" dirty="0" smtClean="0">
+                <a:latin typeface="Times New Roman" panose="02020603050405020304" pitchFamily="18" charset="0"/>
+                <a:cs typeface="Times New Roman" panose="02020603050405020304" pitchFamily="18" charset="0"/>
+              </a:rPr>
+              <a:t>phân loại Bài Báo</a:t>
             </a:r>
-            <a:r>
-              <a:rPr lang="en-US" dirty="0" smtClean="0"/>
-              <a:t>loại Bài Báo</a:t>
-            </a:r>
-            <a:endParaRPr lang="en-US" dirty="0"/>
+            <a:endParaRPr lang="en-US" dirty="0">
+              <a:latin typeface="Times New Roman" panose="02020603050405020304" pitchFamily="18" charset="0"/>
+              <a:cs typeface="Times New Roman" panose="02020603050405020304" pitchFamily="18" charset="0"/>
+            </a:endParaRPr>
           </a:p>
         </p:txBody>
       </p:sp>
@@ -12461,6 +12469,96 @@
             <a:pPr algn="ctr"/>
             <a:r>
               <a:rPr lang="en-US" dirty="0" smtClean="0"/>
+              <a:t>api</a:t>
+            </a:r>
+            <a:endParaRPr lang="en-US" dirty="0"/>
+          </a:p>
+        </p:txBody>
+      </p:sp>
+      <p:pic>
+        <p:nvPicPr>
+          <p:cNvPr id="4" name="Content Placeholder 3"/>
+          <p:cNvPicPr>
+            <a:picLocks noGrp="1" noChangeAspect="1"/>
+          </p:cNvPicPr>
+          <p:nvPr>
+            <p:ph idx="1"/>
+          </p:nvPr>
+        </p:nvPicPr>
+        <p:blipFill>
+          <a:blip r:embed="rId2">
+            <a:extLst>
+              <a:ext uri="{28A0092B-C50C-407E-A947-70E740481C1C}">
+                <a14:useLocalDpi xmlns:a14="http://schemas.microsoft.com/office/drawing/2010/main" val="0"/>
+              </a:ext>
+            </a:extLst>
+          </a:blip>
+          <a:stretch>
+            <a:fillRect/>
+          </a:stretch>
+        </p:blipFill>
+        <p:spPr>
+          <a:xfrm>
+            <a:off x="2023573" y="2097088"/>
+            <a:ext cx="8141677" cy="4101488"/>
+          </a:xfrm>
+        </p:spPr>
+      </p:pic>
+    </p:spTree>
+    <p:extLst>
+      <p:ext uri="{BB962C8B-B14F-4D97-AF65-F5344CB8AC3E}">
+        <p14:creationId xmlns:p14="http://schemas.microsoft.com/office/powerpoint/2010/main" val="674396594"/>
+      </p:ext>
+    </p:extLst>
+  </p:cSld>
+  <p:clrMapOvr>
+    <a:masterClrMapping/>
+  </p:clrMapOvr>
+  <p:timing>
+    <p:tnLst>
+      <p:par>
+        <p:cTn id="1" dur="indefinite" restart="never" nodeType="tmRoot"/>
+      </p:par>
+    </p:tnLst>
+  </p:timing>
+</p:sld>
+</file>
+
+<file path=ppt/slides/slide11.xml><?xml version="1.0" encoding="utf-8"?>
+<p:sld xmlns:a="http://schemas.openxmlformats.org/drawingml/2006/main" xmlns:r="http://schemas.openxmlformats.org/officeDocument/2006/relationships" xmlns:p="http://schemas.openxmlformats.org/presentationml/2006/main">
+  <p:cSld>
+    <p:spTree>
+      <p:nvGrpSpPr>
+        <p:cNvPr id="1" name=""/>
+        <p:cNvGrpSpPr/>
+        <p:nvPr/>
+      </p:nvGrpSpPr>
+      <p:grpSpPr>
+        <a:xfrm>
+          <a:off x="0" y="0"/>
+          <a:ext cx="0" cy="0"/>
+          <a:chOff x="0" y="0"/>
+          <a:chExt cx="0" cy="0"/>
+        </a:xfrm>
+      </p:grpSpPr>
+      <p:sp>
+        <p:nvSpPr>
+          <p:cNvPr id="2" name="Title 1"/>
+          <p:cNvSpPr>
+            <a:spLocks noGrp="1"/>
+          </p:cNvSpPr>
+          <p:nvPr>
+            <p:ph type="title"/>
+          </p:nvPr>
+        </p:nvSpPr>
+        <p:spPr/>
+        <p:txBody>
+          <a:bodyPr/>
+          <a:lstStyle/>
+          <a:p>
+            <a:pPr algn="ctr"/>
+            <a:r>
+              <a:rPr lang="en-US" dirty="0" smtClean="0"/>
               <a:t>Web App</a:t>
             </a:r>
             <a:endParaRPr lang="en-US" dirty="0"/>
@@ -12516,7 +12614,7 @@
 </p:sld>
 </file>
 
-<file path=ppt/slides/slide11.xml><?xml version="1.0" encoding="utf-8"?>
+<file path=ppt/slides/slide12.xml><?xml version="1.0" encoding="utf-8"?>
 <p:sld xmlns:a="http://schemas.openxmlformats.org/drawingml/2006/main" xmlns:r="http://schemas.openxmlformats.org/officeDocument/2006/relationships" xmlns:p="http://schemas.openxmlformats.org/presentationml/2006/main">
   <p:cSld>
     <p:spTree>
@@ -12630,10 +12728,144 @@
           <a:p>
             <a:pPr algn="ctr"/>
             <a:r>
+              <a:rPr lang="en-US" dirty="0" smtClean="0">
+                <a:latin typeface="Times New Roman" panose="02020603050405020304" pitchFamily="18" charset="0"/>
+                <a:cs typeface="Times New Roman" panose="02020603050405020304" pitchFamily="18" charset="0"/>
+              </a:rPr>
+              <a:t>Tổng Quan</a:t>
+            </a:r>
+            <a:endParaRPr lang="en-US" dirty="0">
+              <a:latin typeface="Times New Roman" panose="02020603050405020304" pitchFamily="18" charset="0"/>
+              <a:cs typeface="Times New Roman" panose="02020603050405020304" pitchFamily="18" charset="0"/>
+            </a:endParaRPr>
+          </a:p>
+        </p:txBody>
+      </p:sp>
+      <p:sp>
+        <p:nvSpPr>
+          <p:cNvPr id="3" name="Content Placeholder 2"/>
+          <p:cNvSpPr>
+            <a:spLocks noGrp="1"/>
+          </p:cNvSpPr>
+          <p:nvPr>
+            <p:ph idx="1"/>
+          </p:nvPr>
+        </p:nvSpPr>
+        <p:spPr/>
+        <p:txBody>
+          <a:bodyPr/>
+          <a:lstStyle/>
+          <a:p>
+            <a:r>
+              <a:rPr lang="vi-VN" dirty="0"/>
+              <a:t>Phân lớp văn bản được coi là quá trình phân loại một văn bản bất kì vào một hay nhiều lớp cho </a:t>
+            </a:r>
+            <a:r>
+              <a:rPr lang="vi-VN" dirty="0" smtClean="0"/>
+              <a:t>trước</a:t>
+            </a:r>
+            <a:r>
               <a:rPr lang="en-US" dirty="0" smtClean="0"/>
-              <a:t>Dữ liệu thô</a:t>
+              <a:t>. </a:t>
             </a:r>
-            <a:endParaRPr lang="en-US" dirty="0"/>
+            <a:r>
+              <a:rPr lang="vi-VN" dirty="0"/>
+              <a:t>Quá trình này gồm hai </a:t>
+            </a:r>
+            <a:r>
+              <a:rPr lang="vi-VN" dirty="0" smtClean="0"/>
+              <a:t>bước</a:t>
+            </a:r>
+            <a:r>
+              <a:rPr lang="en-US" dirty="0"/>
+              <a:t>: huấn luyện mô hình và phân loại văn bản. Mục tiêu của bài toán phân lớp là nhằm xây dựng mô hình có khả năng gán nhãn cho </a:t>
+            </a:r>
+            <a:r>
+              <a:rPr lang="en-US"/>
+              <a:t>một </a:t>
+            </a:r>
+            <a:r>
+              <a:rPr lang="en-US" smtClean="0"/>
+              <a:t>bài báo </a:t>
+            </a:r>
+            <a:r>
+              <a:rPr lang="en-US" dirty="0"/>
+              <a:t>bất kì với độ chính xác cao nhất có thể.</a:t>
+            </a:r>
+          </a:p>
+        </p:txBody>
+      </p:sp>
+    </p:spTree>
+    <p:extLst>
+      <p:ext uri="{BB962C8B-B14F-4D97-AF65-F5344CB8AC3E}">
+        <p14:creationId xmlns:p14="http://schemas.microsoft.com/office/powerpoint/2010/main" val="1755340983"/>
+      </p:ext>
+    </p:extLst>
+  </p:cSld>
+  <p:clrMapOvr>
+    <a:masterClrMapping/>
+  </p:clrMapOvr>
+</p:sld>
+</file>
+
+<file path=ppt/slides/slide3.xml><?xml version="1.0" encoding="utf-8"?>
+<p:sld xmlns:a="http://schemas.openxmlformats.org/drawingml/2006/main" xmlns:r="http://schemas.openxmlformats.org/officeDocument/2006/relationships" xmlns:p="http://schemas.openxmlformats.org/presentationml/2006/main">
+  <p:cSld>
+    <p:spTree>
+      <p:nvGrpSpPr>
+        <p:cNvPr id="1" name=""/>
+        <p:cNvGrpSpPr/>
+        <p:nvPr/>
+      </p:nvGrpSpPr>
+      <p:grpSpPr>
+        <a:xfrm>
+          <a:off x="0" y="0"/>
+          <a:ext cx="0" cy="0"/>
+          <a:chOff x="0" y="0"/>
+          <a:chExt cx="0" cy="0"/>
+        </a:xfrm>
+      </p:grpSpPr>
+      <p:sp>
+        <p:nvSpPr>
+          <p:cNvPr id="2" name="Title 1"/>
+          <p:cNvSpPr>
+            <a:spLocks noGrp="1"/>
+          </p:cNvSpPr>
+          <p:nvPr>
+            <p:ph type="title"/>
+          </p:nvPr>
+        </p:nvSpPr>
+        <p:spPr/>
+        <p:txBody>
+          <a:bodyPr/>
+          <a:lstStyle/>
+          <a:p>
+            <a:pPr algn="ctr"/>
+            <a:r>
+              <a:rPr lang="en-US" dirty="0" smtClean="0">
+                <a:latin typeface="Times New Roman" panose="02020603050405020304" pitchFamily="18" charset="0"/>
+                <a:cs typeface="Times New Roman" panose="02020603050405020304" pitchFamily="18" charset="0"/>
+              </a:rPr>
+              <a:t>Dữ </a:t>
+            </a:r>
+            <a:r>
+              <a:rPr lang="en-US" dirty="0" smtClean="0">
+                <a:latin typeface="Times New Roman" panose="02020603050405020304" pitchFamily="18" charset="0"/>
+                <a:cs typeface="Times New Roman" panose="02020603050405020304" pitchFamily="18" charset="0"/>
+              </a:rPr>
+              <a:t>liỆu </a:t>
+            </a:r>
+            <a:r>
+              <a:rPr lang="en-US" dirty="0" smtClean="0">
+                <a:latin typeface="Times New Roman" panose="02020603050405020304" pitchFamily="18" charset="0"/>
+                <a:cs typeface="Times New Roman" panose="02020603050405020304" pitchFamily="18" charset="0"/>
+              </a:rPr>
+              <a:t>thô</a:t>
+            </a:r>
+            <a:endParaRPr lang="en-US" dirty="0">
+              <a:latin typeface="Times New Roman" panose="02020603050405020304" pitchFamily="18" charset="0"/>
+              <a:cs typeface="Times New Roman" panose="02020603050405020304" pitchFamily="18" charset="0"/>
+            </a:endParaRPr>
           </a:p>
         </p:txBody>
       </p:sp>
@@ -12686,7 +12918,7 @@
 </p:sld>
 </file>
 
-<file path=ppt/slides/slide3.xml><?xml version="1.0" encoding="utf-8"?>
+<file path=ppt/slides/slide4.xml><?xml version="1.0" encoding="utf-8"?>
 <p:sld xmlns:a="http://schemas.openxmlformats.org/drawingml/2006/main" xmlns:r="http://schemas.openxmlformats.org/officeDocument/2006/relationships" xmlns:p="http://schemas.openxmlformats.org/presentationml/2006/main">
   <p:cSld>
     <p:spTree>
@@ -12720,10 +12952,16 @@
           <a:p>
             <a:pPr algn="ctr"/>
             <a:r>
-              <a:rPr lang="en-US" dirty="0" smtClean="0"/>
+              <a:rPr lang="en-US" dirty="0" smtClean="0">
+                <a:latin typeface="Times New Roman" panose="02020603050405020304" pitchFamily="18" charset="0"/>
+                <a:cs typeface="Times New Roman" panose="02020603050405020304" pitchFamily="18" charset="0"/>
+              </a:rPr>
               <a:t>Dữ liệu Clean</a:t>
             </a:r>
-            <a:endParaRPr lang="en-US" dirty="0"/>
+            <a:endParaRPr lang="en-US" dirty="0">
+              <a:latin typeface="Times New Roman" panose="02020603050405020304" pitchFamily="18" charset="0"/>
+              <a:cs typeface="Times New Roman" panose="02020603050405020304" pitchFamily="18" charset="0"/>
+            </a:endParaRPr>
           </a:p>
         </p:txBody>
       </p:sp>
@@ -12776,7 +13014,7 @@
 </p:sld>
 </file>
 
-<file path=ppt/slides/slide4.xml><?xml version="1.0" encoding="utf-8"?>
+<file path=ppt/slides/slide5.xml><?xml version="1.0" encoding="utf-8"?>
 <p:sld xmlns:a="http://schemas.openxmlformats.org/drawingml/2006/main" xmlns:r="http://schemas.openxmlformats.org/officeDocument/2006/relationships" xmlns:p="http://schemas.openxmlformats.org/presentationml/2006/main">
   <p:cSld>
     <p:spTree>
@@ -12866,7 +13104,7 @@
 </p:sld>
 </file>
 
-<file path=ppt/slides/slide5.xml><?xml version="1.0" encoding="utf-8"?>
+<file path=ppt/slides/slide6.xml><?xml version="1.0" encoding="utf-8"?>
 <p:sld xmlns:a="http://schemas.openxmlformats.org/drawingml/2006/main" xmlns:r="http://schemas.openxmlformats.org/officeDocument/2006/relationships" xmlns:p="http://schemas.openxmlformats.org/presentationml/2006/main">
   <p:cSld>
     <p:spTree>
@@ -12959,7 +13197,7 @@
 </p:sld>
 </file>
 
-<file path=ppt/slides/slide6.xml><?xml version="1.0" encoding="utf-8"?>
+<file path=ppt/slides/slide7.xml><?xml version="1.0" encoding="utf-8"?>
 <p:sld xmlns:a="http://schemas.openxmlformats.org/drawingml/2006/main" xmlns:r="http://schemas.openxmlformats.org/officeDocument/2006/relationships" xmlns:p="http://schemas.openxmlformats.org/presentationml/2006/main">
   <p:cSld>
     <p:spTree>
@@ -13049,7 +13287,7 @@
 </p:sld>
 </file>
 
-<file path=ppt/slides/slide7.xml><?xml version="1.0" encoding="utf-8"?>
+<file path=ppt/slides/slide8.xml><?xml version="1.0" encoding="utf-8"?>
 <p:sld xmlns:a="http://schemas.openxmlformats.org/drawingml/2006/main" xmlns:r="http://schemas.openxmlformats.org/officeDocument/2006/relationships" xmlns:p="http://schemas.openxmlformats.org/presentationml/2006/main">
   <p:cSld>
     <p:spTree>
@@ -13139,7 +13377,7 @@
 </p:sld>
 </file>
 
-<file path=ppt/slides/slide8.xml><?xml version="1.0" encoding="utf-8"?>
+<file path=ppt/slides/slide9.xml><?xml version="1.0" encoding="utf-8"?>
 <p:sld xmlns:a="http://schemas.openxmlformats.org/drawingml/2006/main" xmlns:r="http://schemas.openxmlformats.org/officeDocument/2006/relationships" xmlns:p="http://schemas.openxmlformats.org/presentationml/2006/main">
   <p:cSld>
     <p:spTree>
@@ -13504,96 +13742,6 @@
 </p:sld>
 </file>
 
-<file path=ppt/slides/slide9.xml><?xml version="1.0" encoding="utf-8"?>
-<p:sld xmlns:a="http://schemas.openxmlformats.org/drawingml/2006/main" xmlns:r="http://schemas.openxmlformats.org/officeDocument/2006/relationships" xmlns:p="http://schemas.openxmlformats.org/presentationml/2006/main">
-  <p:cSld>
-    <p:spTree>
-      <p:nvGrpSpPr>
-        <p:cNvPr id="1" name=""/>
-        <p:cNvGrpSpPr/>
-        <p:nvPr/>
-      </p:nvGrpSpPr>
-      <p:grpSpPr>
-        <a:xfrm>
-          <a:off x="0" y="0"/>
-          <a:ext cx="0" cy="0"/>
-          <a:chOff x="0" y="0"/>
-          <a:chExt cx="0" cy="0"/>
-        </a:xfrm>
-      </p:grpSpPr>
-      <p:sp>
-        <p:nvSpPr>
-          <p:cNvPr id="2" name="Title 1"/>
-          <p:cNvSpPr>
-            <a:spLocks noGrp="1"/>
-          </p:cNvSpPr>
-          <p:nvPr>
-            <p:ph type="title"/>
-          </p:nvPr>
-        </p:nvSpPr>
-        <p:spPr/>
-        <p:txBody>
-          <a:bodyPr/>
-          <a:lstStyle/>
-          <a:p>
-            <a:pPr algn="ctr"/>
-            <a:r>
-              <a:rPr lang="en-US" dirty="0" smtClean="0"/>
-              <a:t>api</a:t>
-            </a:r>
-            <a:endParaRPr lang="en-US" dirty="0"/>
-          </a:p>
-        </p:txBody>
-      </p:sp>
-      <p:pic>
-        <p:nvPicPr>
-          <p:cNvPr id="4" name="Content Placeholder 3"/>
-          <p:cNvPicPr>
-            <a:picLocks noGrp="1" noChangeAspect="1"/>
-          </p:cNvPicPr>
-          <p:nvPr>
-            <p:ph idx="1"/>
-          </p:nvPr>
-        </p:nvPicPr>
-        <p:blipFill>
-          <a:blip r:embed="rId2">
-            <a:extLst>
-              <a:ext uri="{28A0092B-C50C-407E-A947-70E740481C1C}">
-                <a14:useLocalDpi xmlns:a14="http://schemas.microsoft.com/office/drawing/2010/main" val="0"/>
-              </a:ext>
-            </a:extLst>
-          </a:blip>
-          <a:stretch>
-            <a:fillRect/>
-          </a:stretch>
-        </p:blipFill>
-        <p:spPr>
-          <a:xfrm>
-            <a:off x="2023573" y="2097088"/>
-            <a:ext cx="8141677" cy="4101488"/>
-          </a:xfrm>
-        </p:spPr>
-      </p:pic>
-    </p:spTree>
-    <p:extLst>
-      <p:ext uri="{BB962C8B-B14F-4D97-AF65-F5344CB8AC3E}">
-        <p14:creationId xmlns:p14="http://schemas.microsoft.com/office/powerpoint/2010/main" val="674396594"/>
-      </p:ext>
-    </p:extLst>
-  </p:cSld>
-  <p:clrMapOvr>
-    <a:masterClrMapping/>
-  </p:clrMapOvr>
-  <p:timing>
-    <p:tnLst>
-      <p:par>
-        <p:cTn id="1" dur="indefinite" restart="never" nodeType="tmRoot"/>
-      </p:par>
-    </p:tnLst>
-  </p:timing>
-</p:sld>
-</file>
-
 <file path=ppt/theme/theme1.xml><?xml version="1.0" encoding="utf-8"?>
 <a:theme xmlns:a="http://schemas.openxmlformats.org/drawingml/2006/main" name="Circuit">
   <a:themeElements>

--- a/doc/Xây dựng ứng dụng phân loại Bài Báo.pptx
+++ b/doc/Xây dựng ứng dụng phân loại Bài Báo.pptx
@@ -173,7 +173,7 @@
           <a:noFill/>
           <a:extLst>
             <a:ext uri="{909E8E84-426E-40dd-AFC4-6F175D3DCCD1}">
-              <a14:hiddenFill xmlns:a14="http://schemas.microsoft.com/office/drawing/2010/main" xmlns="">
+              <a14:hiddenFill xmlns="" xmlns:a14="http://schemas.microsoft.com/office/drawing/2010/main">
                 <a:solidFill>
                   <a:srgbClr val="FFFFFF"/>
                 </a:solidFill>
@@ -233,7 +233,7 @@
             </a:ln>
             <a:extLst>
               <a:ext uri="{91240B29-F687-4f45-9708-019B960494DF}">
-                <a14:hiddenLine xmlns:a14="http://schemas.microsoft.com/office/drawing/2010/main" xmlns="" w="9525">
+                <a14:hiddenLine xmlns="" xmlns:a14="http://schemas.microsoft.com/office/drawing/2010/main" w="9525">
                   <a:solidFill>
                     <a:srgbClr val="000000"/>
                   </a:solidFill>
@@ -323,7 +323,7 @@
             </a:ln>
             <a:extLst>
               <a:ext uri="{91240B29-F687-4f45-9708-019B960494DF}">
-                <a14:hiddenLine xmlns:a14="http://schemas.microsoft.com/office/drawing/2010/main" xmlns="" w="9525">
+                <a14:hiddenLine xmlns="" xmlns:a14="http://schemas.microsoft.com/office/drawing/2010/main" w="9525">
                   <a:solidFill>
                     <a:srgbClr val="000000"/>
                   </a:solidFill>
@@ -413,7 +413,7 @@
             </a:ln>
             <a:extLst>
               <a:ext uri="{91240B29-F687-4f45-9708-019B960494DF}">
-                <a14:hiddenLine xmlns:a14="http://schemas.microsoft.com/office/drawing/2010/main" xmlns="" w="9525">
+                <a14:hiddenLine xmlns="" xmlns:a14="http://schemas.microsoft.com/office/drawing/2010/main" w="9525">
                   <a:solidFill>
                     <a:srgbClr val="000000"/>
                   </a:solidFill>
@@ -447,7 +447,7 @@
             </a:ln>
             <a:extLst>
               <a:ext uri="{91240B29-F687-4f45-9708-019B960494DF}">
-                <a14:hiddenLine xmlns:a14="http://schemas.microsoft.com/office/drawing/2010/main" xmlns="" w="9525">
+                <a14:hiddenLine xmlns="" xmlns:a14="http://schemas.microsoft.com/office/drawing/2010/main" w="9525">
                   <a:solidFill>
                     <a:srgbClr val="000000"/>
                   </a:solidFill>
@@ -537,7 +537,7 @@
             </a:ln>
             <a:extLst>
               <a:ext uri="{91240B29-F687-4f45-9708-019B960494DF}">
-                <a14:hiddenLine xmlns:a14="http://schemas.microsoft.com/office/drawing/2010/main" xmlns="" w="9525">
+                <a14:hiddenLine xmlns="" xmlns:a14="http://schemas.microsoft.com/office/drawing/2010/main" w="9525">
                   <a:solidFill>
                     <a:srgbClr val="000000"/>
                   </a:solidFill>
@@ -599,7 +599,7 @@
             </a:ln>
             <a:extLst>
               <a:ext uri="{91240B29-F687-4f45-9708-019B960494DF}">
-                <a14:hiddenLine xmlns:a14="http://schemas.microsoft.com/office/drawing/2010/main" xmlns="" w="9525">
+                <a14:hiddenLine xmlns="" xmlns:a14="http://schemas.microsoft.com/office/drawing/2010/main" w="9525">
                   <a:solidFill>
                     <a:srgbClr val="000000"/>
                   </a:solidFill>
@@ -661,7 +661,7 @@
             </a:ln>
             <a:extLst>
               <a:ext uri="{91240B29-F687-4f45-9708-019B960494DF}">
-                <a14:hiddenLine xmlns:a14="http://schemas.microsoft.com/office/drawing/2010/main" xmlns="" w="9525">
+                <a14:hiddenLine xmlns="" xmlns:a14="http://schemas.microsoft.com/office/drawing/2010/main" w="9525">
                   <a:solidFill>
                     <a:srgbClr val="000000"/>
                   </a:solidFill>
@@ -751,7 +751,7 @@
             </a:ln>
             <a:extLst>
               <a:ext uri="{91240B29-F687-4f45-9708-019B960494DF}">
-                <a14:hiddenLine xmlns:a14="http://schemas.microsoft.com/office/drawing/2010/main" xmlns="" w="9525">
+                <a14:hiddenLine xmlns="" xmlns:a14="http://schemas.microsoft.com/office/drawing/2010/main" w="9525">
                   <a:solidFill>
                     <a:srgbClr val="000000"/>
                   </a:solidFill>
@@ -813,7 +813,7 @@
             </a:ln>
             <a:extLst>
               <a:ext uri="{91240B29-F687-4f45-9708-019B960494DF}">
-                <a14:hiddenLine xmlns:a14="http://schemas.microsoft.com/office/drawing/2010/main" xmlns="" w="9525">
+                <a14:hiddenLine xmlns="" xmlns:a14="http://schemas.microsoft.com/office/drawing/2010/main" w="9525">
                   <a:solidFill>
                     <a:srgbClr val="000000"/>
                   </a:solidFill>
@@ -875,7 +875,7 @@
             </a:ln>
             <a:extLst>
               <a:ext uri="{91240B29-F687-4f45-9708-019B960494DF}">
-                <a14:hiddenLine xmlns:a14="http://schemas.microsoft.com/office/drawing/2010/main" xmlns="" w="9525">
+                <a14:hiddenLine xmlns="" xmlns:a14="http://schemas.microsoft.com/office/drawing/2010/main" w="9525">
                   <a:solidFill>
                     <a:srgbClr val="000000"/>
                   </a:solidFill>
@@ -965,7 +965,7 @@
             </a:ln>
             <a:extLst>
               <a:ext uri="{91240B29-F687-4f45-9708-019B960494DF}">
-                <a14:hiddenLine xmlns:a14="http://schemas.microsoft.com/office/drawing/2010/main" xmlns="" w="9525">
+                <a14:hiddenLine xmlns="" xmlns:a14="http://schemas.microsoft.com/office/drawing/2010/main" w="9525">
                   <a:solidFill>
                     <a:srgbClr val="000000"/>
                   </a:solidFill>
@@ -1055,7 +1055,7 @@
             </a:ln>
             <a:extLst>
               <a:ext uri="{91240B29-F687-4f45-9708-019B960494DF}">
-                <a14:hiddenLine xmlns:a14="http://schemas.microsoft.com/office/drawing/2010/main" xmlns="" w="9525">
+                <a14:hiddenLine xmlns="" xmlns:a14="http://schemas.microsoft.com/office/drawing/2010/main" w="9525">
                   <a:solidFill>
                     <a:srgbClr val="000000"/>
                   </a:solidFill>
@@ -1117,7 +1117,7 @@
             </a:ln>
             <a:extLst>
               <a:ext uri="{91240B29-F687-4f45-9708-019B960494DF}">
-                <a14:hiddenLine xmlns:a14="http://schemas.microsoft.com/office/drawing/2010/main" xmlns="" w="9525">
+                <a14:hiddenLine xmlns="" xmlns:a14="http://schemas.microsoft.com/office/drawing/2010/main" w="9525">
                   <a:solidFill>
                     <a:srgbClr val="000000"/>
                   </a:solidFill>
@@ -1227,7 +1227,7 @@
             </a:ln>
             <a:extLst>
               <a:ext uri="{91240B29-F687-4f45-9708-019B960494DF}">
-                <a14:hiddenLine xmlns:a14="http://schemas.microsoft.com/office/drawing/2010/main" xmlns="" w="9525">
+                <a14:hiddenLine xmlns="" xmlns:a14="http://schemas.microsoft.com/office/drawing/2010/main" w="9525">
                   <a:solidFill>
                     <a:srgbClr val="000000"/>
                   </a:solidFill>
@@ -1289,7 +1289,7 @@
             </a:ln>
             <a:extLst>
               <a:ext uri="{91240B29-F687-4f45-9708-019B960494DF}">
-                <a14:hiddenLine xmlns:a14="http://schemas.microsoft.com/office/drawing/2010/main" xmlns="" w="9525">
+                <a14:hiddenLine xmlns="" xmlns:a14="http://schemas.microsoft.com/office/drawing/2010/main" w="9525">
                   <a:solidFill>
                     <a:srgbClr val="000000"/>
                   </a:solidFill>
@@ -1379,7 +1379,7 @@
             </a:ln>
             <a:extLst>
               <a:ext uri="{91240B29-F687-4f45-9708-019B960494DF}">
-                <a14:hiddenLine xmlns:a14="http://schemas.microsoft.com/office/drawing/2010/main" xmlns="" w="9525">
+                <a14:hiddenLine xmlns="" xmlns:a14="http://schemas.microsoft.com/office/drawing/2010/main" w="9525">
                   <a:solidFill>
                     <a:srgbClr val="000000"/>
                   </a:solidFill>
@@ -1469,7 +1469,7 @@
             </a:ln>
             <a:extLst>
               <a:ext uri="{91240B29-F687-4f45-9708-019B960494DF}">
-                <a14:hiddenLine xmlns:a14="http://schemas.microsoft.com/office/drawing/2010/main" xmlns="" w="9525">
+                <a14:hiddenLine xmlns="" xmlns:a14="http://schemas.microsoft.com/office/drawing/2010/main" w="9525">
                   <a:solidFill>
                     <a:srgbClr val="000000"/>
                   </a:solidFill>
@@ -1531,7 +1531,7 @@
             </a:ln>
             <a:extLst>
               <a:ext uri="{91240B29-F687-4f45-9708-019B960494DF}">
-                <a14:hiddenLine xmlns:a14="http://schemas.microsoft.com/office/drawing/2010/main" xmlns="" w="9525">
+                <a14:hiddenLine xmlns="" xmlns:a14="http://schemas.microsoft.com/office/drawing/2010/main" w="9525">
                   <a:solidFill>
                     <a:srgbClr val="000000"/>
                   </a:solidFill>
@@ -1621,7 +1621,7 @@
             </a:ln>
             <a:extLst>
               <a:ext uri="{91240B29-F687-4f45-9708-019B960494DF}">
-                <a14:hiddenLine xmlns:a14="http://schemas.microsoft.com/office/drawing/2010/main" xmlns="" w="9525">
+                <a14:hiddenLine xmlns="" xmlns:a14="http://schemas.microsoft.com/office/drawing/2010/main" w="9525">
                   <a:solidFill>
                     <a:srgbClr val="000000"/>
                   </a:solidFill>
@@ -1711,7 +1711,7 @@
             </a:ln>
             <a:extLst>
               <a:ext uri="{91240B29-F687-4f45-9708-019B960494DF}">
-                <a14:hiddenLine xmlns:a14="http://schemas.microsoft.com/office/drawing/2010/main" xmlns="" w="9525">
+                <a14:hiddenLine xmlns="" xmlns:a14="http://schemas.microsoft.com/office/drawing/2010/main" w="9525">
                   <a:solidFill>
                     <a:srgbClr val="000000"/>
                   </a:solidFill>
@@ -1767,7 +1767,7 @@
             </a:ln>
             <a:extLst>
               <a:ext uri="{91240B29-F687-4f45-9708-019B960494DF}">
-                <a14:hiddenLine xmlns:a14="http://schemas.microsoft.com/office/drawing/2010/main" xmlns="" w="9525">
+                <a14:hiddenLine xmlns="" xmlns:a14="http://schemas.microsoft.com/office/drawing/2010/main" w="9525">
                   <a:solidFill>
                     <a:srgbClr val="000000"/>
                   </a:solidFill>
@@ -1857,7 +1857,7 @@
             </a:ln>
             <a:extLst>
               <a:ext uri="{91240B29-F687-4f45-9708-019B960494DF}">
-                <a14:hiddenLine xmlns:a14="http://schemas.microsoft.com/office/drawing/2010/main" xmlns="" w="9525">
+                <a14:hiddenLine xmlns="" xmlns:a14="http://schemas.microsoft.com/office/drawing/2010/main" w="9525">
                   <a:solidFill>
                     <a:srgbClr val="000000"/>
                   </a:solidFill>
@@ -1913,7 +1913,7 @@
             </a:ln>
             <a:extLst>
               <a:ext uri="{91240B29-F687-4f45-9708-019B960494DF}">
-                <a14:hiddenLine xmlns:a14="http://schemas.microsoft.com/office/drawing/2010/main" xmlns="" w="9525">
+                <a14:hiddenLine xmlns="" xmlns:a14="http://schemas.microsoft.com/office/drawing/2010/main" w="9525">
                   <a:solidFill>
                     <a:srgbClr val="000000"/>
                   </a:solidFill>
@@ -2003,7 +2003,7 @@
             </a:ln>
             <a:extLst>
               <a:ext uri="{91240B29-F687-4f45-9708-019B960494DF}">
-                <a14:hiddenLine xmlns:a14="http://schemas.microsoft.com/office/drawing/2010/main" xmlns="" w="9525">
+                <a14:hiddenLine xmlns="" xmlns:a14="http://schemas.microsoft.com/office/drawing/2010/main" w="9525">
                   <a:solidFill>
                     <a:srgbClr val="000000"/>
                   </a:solidFill>
@@ -2071,7 +2071,7 @@
             </a:ln>
             <a:extLst>
               <a:ext uri="{91240B29-F687-4f45-9708-019B960494DF}">
-                <a14:hiddenLine xmlns:a14="http://schemas.microsoft.com/office/drawing/2010/main" xmlns="" w="9525">
+                <a14:hiddenLine xmlns="" xmlns:a14="http://schemas.microsoft.com/office/drawing/2010/main" w="9525">
                   <a:solidFill>
                     <a:srgbClr val="000000"/>
                   </a:solidFill>
@@ -2161,7 +2161,7 @@
             </a:ln>
             <a:extLst>
               <a:ext uri="{91240B29-F687-4f45-9708-019B960494DF}">
-                <a14:hiddenLine xmlns:a14="http://schemas.microsoft.com/office/drawing/2010/main" xmlns="" w="9525">
+                <a14:hiddenLine xmlns="" xmlns:a14="http://schemas.microsoft.com/office/drawing/2010/main" w="9525">
                   <a:solidFill>
                     <a:srgbClr val="000000"/>
                   </a:solidFill>
@@ -2229,7 +2229,7 @@
             </a:ln>
             <a:extLst>
               <a:ext uri="{91240B29-F687-4f45-9708-019B960494DF}">
-                <a14:hiddenLine xmlns:a14="http://schemas.microsoft.com/office/drawing/2010/main" xmlns="" w="9525">
+                <a14:hiddenLine xmlns="" xmlns:a14="http://schemas.microsoft.com/office/drawing/2010/main" w="9525">
                   <a:solidFill>
                     <a:srgbClr val="000000"/>
                   </a:solidFill>
@@ -2319,7 +2319,7 @@
             </a:ln>
             <a:extLst>
               <a:ext uri="{91240B29-F687-4f45-9708-019B960494DF}">
-                <a14:hiddenLine xmlns:a14="http://schemas.microsoft.com/office/drawing/2010/main" xmlns="" w="9525">
+                <a14:hiddenLine xmlns="" xmlns:a14="http://schemas.microsoft.com/office/drawing/2010/main" w="9525">
                   <a:solidFill>
                     <a:srgbClr val="000000"/>
                   </a:solidFill>
@@ -2353,7 +2353,7 @@
             </a:ln>
             <a:extLst>
               <a:ext uri="{91240B29-F687-4f45-9708-019B960494DF}">
-                <a14:hiddenLine xmlns:a14="http://schemas.microsoft.com/office/drawing/2010/main" xmlns="" w="9525">
+                <a14:hiddenLine xmlns="" xmlns:a14="http://schemas.microsoft.com/office/drawing/2010/main" w="9525">
                   <a:solidFill>
                     <a:srgbClr val="000000"/>
                   </a:solidFill>
@@ -2443,7 +2443,7 @@
             </a:ln>
             <a:extLst>
               <a:ext uri="{91240B29-F687-4f45-9708-019B960494DF}">
-                <a14:hiddenLine xmlns:a14="http://schemas.microsoft.com/office/drawing/2010/main" xmlns="" w="9525">
+                <a14:hiddenLine xmlns="" xmlns:a14="http://schemas.microsoft.com/office/drawing/2010/main" w="9525">
                   <a:solidFill>
                     <a:srgbClr val="000000"/>
                   </a:solidFill>
@@ -2505,7 +2505,7 @@
             </a:ln>
             <a:extLst>
               <a:ext uri="{91240B29-F687-4f45-9708-019B960494DF}">
-                <a14:hiddenLine xmlns:a14="http://schemas.microsoft.com/office/drawing/2010/main" xmlns="" w="9525">
+                <a14:hiddenLine xmlns="" xmlns:a14="http://schemas.microsoft.com/office/drawing/2010/main" w="9525">
                   <a:solidFill>
                     <a:srgbClr val="000000"/>
                   </a:solidFill>
@@ -2567,7 +2567,7 @@
             </a:ln>
             <a:extLst>
               <a:ext uri="{91240B29-F687-4f45-9708-019B960494DF}">
-                <a14:hiddenLine xmlns:a14="http://schemas.microsoft.com/office/drawing/2010/main" xmlns="" w="9525">
+                <a14:hiddenLine xmlns="" xmlns:a14="http://schemas.microsoft.com/office/drawing/2010/main" w="9525">
                   <a:solidFill>
                     <a:srgbClr val="000000"/>
                   </a:solidFill>
@@ -2657,7 +2657,7 @@
             </a:ln>
             <a:extLst>
               <a:ext uri="{91240B29-F687-4f45-9708-019B960494DF}">
-                <a14:hiddenLine xmlns:a14="http://schemas.microsoft.com/office/drawing/2010/main" xmlns="" w="9525">
+                <a14:hiddenLine xmlns="" xmlns:a14="http://schemas.microsoft.com/office/drawing/2010/main" w="9525">
                   <a:solidFill>
                     <a:srgbClr val="000000"/>
                   </a:solidFill>
@@ -2725,7 +2725,7 @@
             </a:ln>
             <a:extLst>
               <a:ext uri="{91240B29-F687-4f45-9708-019B960494DF}">
-                <a14:hiddenLine xmlns:a14="http://schemas.microsoft.com/office/drawing/2010/main" xmlns="" w="9525">
+                <a14:hiddenLine xmlns="" xmlns:a14="http://schemas.microsoft.com/office/drawing/2010/main" w="9525">
                   <a:solidFill>
                     <a:srgbClr val="000000"/>
                   </a:solidFill>
@@ -2787,7 +2787,7 @@
             </a:ln>
             <a:extLst>
               <a:ext uri="{91240B29-F687-4f45-9708-019B960494DF}">
-                <a14:hiddenLine xmlns:a14="http://schemas.microsoft.com/office/drawing/2010/main" xmlns="" w="9525">
+                <a14:hiddenLine xmlns="" xmlns:a14="http://schemas.microsoft.com/office/drawing/2010/main" w="9525">
                   <a:solidFill>
                     <a:srgbClr val="000000"/>
                   </a:solidFill>
@@ -2877,7 +2877,7 @@
             </a:ln>
             <a:extLst>
               <a:ext uri="{91240B29-F687-4f45-9708-019B960494DF}">
-                <a14:hiddenLine xmlns:a14="http://schemas.microsoft.com/office/drawing/2010/main" xmlns="" w="9525">
+                <a14:hiddenLine xmlns="" xmlns:a14="http://schemas.microsoft.com/office/drawing/2010/main" w="9525">
                   <a:solidFill>
                     <a:srgbClr val="000000"/>
                   </a:solidFill>
@@ -2939,7 +2939,7 @@
             </a:ln>
             <a:extLst>
               <a:ext uri="{91240B29-F687-4f45-9708-019B960494DF}">
-                <a14:hiddenLine xmlns:a14="http://schemas.microsoft.com/office/drawing/2010/main" xmlns="" w="9525">
+                <a14:hiddenLine xmlns="" xmlns:a14="http://schemas.microsoft.com/office/drawing/2010/main" w="9525">
                   <a:solidFill>
                     <a:srgbClr val="000000"/>
                   </a:solidFill>
@@ -3029,7 +3029,7 @@
             </a:ln>
             <a:extLst>
               <a:ext uri="{91240B29-F687-4f45-9708-019B960494DF}">
-                <a14:hiddenLine xmlns:a14="http://schemas.microsoft.com/office/drawing/2010/main" xmlns="" w="9525">
+                <a14:hiddenLine xmlns="" xmlns:a14="http://schemas.microsoft.com/office/drawing/2010/main" w="9525">
                   <a:solidFill>
                     <a:srgbClr val="000000"/>
                   </a:solidFill>
@@ -3091,7 +3091,7 @@
             </a:ln>
             <a:extLst>
               <a:ext uri="{91240B29-F687-4f45-9708-019B960494DF}">
-                <a14:hiddenLine xmlns:a14="http://schemas.microsoft.com/office/drawing/2010/main" xmlns="" w="9525">
+                <a14:hiddenLine xmlns="" xmlns:a14="http://schemas.microsoft.com/office/drawing/2010/main" w="9525">
                   <a:solidFill>
                     <a:srgbClr val="000000"/>
                   </a:solidFill>
@@ -3181,7 +3181,7 @@
             </a:ln>
             <a:extLst>
               <a:ext uri="{91240B29-F687-4f45-9708-019B960494DF}">
-                <a14:hiddenLine xmlns:a14="http://schemas.microsoft.com/office/drawing/2010/main" xmlns="" w="9525">
+                <a14:hiddenLine xmlns="" xmlns:a14="http://schemas.microsoft.com/office/drawing/2010/main" w="9525">
                   <a:solidFill>
                     <a:srgbClr val="000000"/>
                   </a:solidFill>
@@ -3215,7 +3215,7 @@
             </a:ln>
             <a:extLst>
               <a:ext uri="{91240B29-F687-4f45-9708-019B960494DF}">
-                <a14:hiddenLine xmlns:a14="http://schemas.microsoft.com/office/drawing/2010/main" xmlns="" w="9525">
+                <a14:hiddenLine xmlns="" xmlns:a14="http://schemas.microsoft.com/office/drawing/2010/main" w="9525">
                   <a:solidFill>
                     <a:srgbClr val="000000"/>
                   </a:solidFill>
@@ -3280,7 +3280,7 @@
             </a:ln>
             <a:extLst>
               <a:ext uri="{91240B29-F687-4f45-9708-019B960494DF}">
-                <a14:hiddenLine xmlns:a14="http://schemas.microsoft.com/office/drawing/2010/main" xmlns="" w="9525">
+                <a14:hiddenLine xmlns="" xmlns:a14="http://schemas.microsoft.com/office/drawing/2010/main" w="9525">
                   <a:solidFill>
                     <a:srgbClr val="000000"/>
                   </a:solidFill>
@@ -3370,7 +3370,7 @@
             </a:ln>
             <a:extLst>
               <a:ext uri="{91240B29-F687-4f45-9708-019B960494DF}">
-                <a14:hiddenLine xmlns:a14="http://schemas.microsoft.com/office/drawing/2010/main" xmlns="" w="9525">
+                <a14:hiddenLine xmlns="" xmlns:a14="http://schemas.microsoft.com/office/drawing/2010/main" w="9525">
                   <a:solidFill>
                     <a:srgbClr val="000000"/>
                   </a:solidFill>
@@ -3432,7 +3432,7 @@
             </a:ln>
             <a:extLst>
               <a:ext uri="{91240B29-F687-4f45-9708-019B960494DF}">
-                <a14:hiddenLine xmlns:a14="http://schemas.microsoft.com/office/drawing/2010/main" xmlns="" w="9525">
+                <a14:hiddenLine xmlns="" xmlns:a14="http://schemas.microsoft.com/office/drawing/2010/main" w="9525">
                   <a:solidFill>
                     <a:srgbClr val="000000"/>
                   </a:solidFill>
@@ -3522,7 +3522,7 @@
             </a:ln>
             <a:extLst>
               <a:ext uri="{91240B29-F687-4f45-9708-019B960494DF}">
-                <a14:hiddenLine xmlns:a14="http://schemas.microsoft.com/office/drawing/2010/main" xmlns="" w="9525">
+                <a14:hiddenLine xmlns="" xmlns:a14="http://schemas.microsoft.com/office/drawing/2010/main" w="9525">
                   <a:solidFill>
                     <a:srgbClr val="000000"/>
                   </a:solidFill>
@@ -3612,7 +3612,7 @@
             </a:ln>
             <a:extLst>
               <a:ext uri="{91240B29-F687-4f45-9708-019B960494DF}">
-                <a14:hiddenLine xmlns:a14="http://schemas.microsoft.com/office/drawing/2010/main" xmlns="" w="9525">
+                <a14:hiddenLine xmlns="" xmlns:a14="http://schemas.microsoft.com/office/drawing/2010/main" w="9525">
                   <a:solidFill>
                     <a:srgbClr val="000000"/>
                   </a:solidFill>
@@ -3677,7 +3677,7 @@
             </a:ln>
             <a:extLst>
               <a:ext uri="{91240B29-F687-4f45-9708-019B960494DF}">
-                <a14:hiddenLine xmlns:a14="http://schemas.microsoft.com/office/drawing/2010/main" xmlns="" w="9525">
+                <a14:hiddenLine xmlns="" xmlns:a14="http://schemas.microsoft.com/office/drawing/2010/main" w="9525">
                   <a:solidFill>
                     <a:srgbClr val="000000"/>
                   </a:solidFill>
@@ -3739,7 +3739,7 @@
             </a:ln>
             <a:extLst>
               <a:ext uri="{91240B29-F687-4f45-9708-019B960494DF}">
-                <a14:hiddenLine xmlns:a14="http://schemas.microsoft.com/office/drawing/2010/main" xmlns="" w="9525">
+                <a14:hiddenLine xmlns="" xmlns:a14="http://schemas.microsoft.com/office/drawing/2010/main" w="9525">
                   <a:solidFill>
                     <a:srgbClr val="000000"/>
                   </a:solidFill>
@@ -3829,7 +3829,7 @@
             </a:ln>
             <a:extLst>
               <a:ext uri="{91240B29-F687-4f45-9708-019B960494DF}">
-                <a14:hiddenLine xmlns:a14="http://schemas.microsoft.com/office/drawing/2010/main" xmlns="" w="9525">
+                <a14:hiddenLine xmlns="" xmlns:a14="http://schemas.microsoft.com/office/drawing/2010/main" w="9525">
                   <a:solidFill>
                     <a:srgbClr val="000000"/>
                   </a:solidFill>
@@ -3919,7 +3919,7 @@
             </a:ln>
             <a:extLst>
               <a:ext uri="{91240B29-F687-4f45-9708-019B960494DF}">
-                <a14:hiddenLine xmlns:a14="http://schemas.microsoft.com/office/drawing/2010/main" xmlns="" w="9525">
+                <a14:hiddenLine xmlns="" xmlns:a14="http://schemas.microsoft.com/office/drawing/2010/main" w="9525">
                   <a:solidFill>
                     <a:srgbClr val="000000"/>
                   </a:solidFill>
@@ -3981,7 +3981,7 @@
             </a:ln>
             <a:extLst>
               <a:ext uri="{91240B29-F687-4f45-9708-019B960494DF}">
-                <a14:hiddenLine xmlns:a14="http://schemas.microsoft.com/office/drawing/2010/main" xmlns="" w="9525">
+                <a14:hiddenLine xmlns="" xmlns:a14="http://schemas.microsoft.com/office/drawing/2010/main" w="9525">
                   <a:solidFill>
                     <a:srgbClr val="000000"/>
                   </a:solidFill>
@@ -4101,7 +4101,7 @@
             </a:ln>
             <a:extLst>
               <a:ext uri="{91240B29-F687-4f45-9708-019B960494DF}">
-                <a14:hiddenLine xmlns:a14="http://schemas.microsoft.com/office/drawing/2010/main" xmlns="" w="9525">
+                <a14:hiddenLine xmlns="" xmlns:a14="http://schemas.microsoft.com/office/drawing/2010/main" w="9525">
                   <a:solidFill>
                     <a:srgbClr val="000000"/>
                   </a:solidFill>
@@ -4169,7 +4169,7 @@
             </a:ln>
             <a:extLst>
               <a:ext uri="{91240B29-F687-4f45-9708-019B960494DF}">
-                <a14:hiddenLine xmlns:a14="http://schemas.microsoft.com/office/drawing/2010/main" xmlns="" w="9525">
+                <a14:hiddenLine xmlns="" xmlns:a14="http://schemas.microsoft.com/office/drawing/2010/main" w="9525">
                   <a:solidFill>
                     <a:srgbClr val="000000"/>
                   </a:solidFill>
@@ -4259,7 +4259,7 @@
             </a:ln>
             <a:extLst>
               <a:ext uri="{91240B29-F687-4f45-9708-019B960494DF}">
-                <a14:hiddenLine xmlns:a14="http://schemas.microsoft.com/office/drawing/2010/main" xmlns="" w="9525">
+                <a14:hiddenLine xmlns="" xmlns:a14="http://schemas.microsoft.com/office/drawing/2010/main" w="9525">
                   <a:solidFill>
                     <a:srgbClr val="000000"/>
                   </a:solidFill>
@@ -8981,7 +8981,7 @@
           <a:noFill/>
           <a:extLst>
             <a:ext uri="{909E8E84-426E-40dd-AFC4-6F175D3DCCD1}">
-              <a14:hiddenFill xmlns:a14="http://schemas.microsoft.com/office/drawing/2010/main" xmlns="">
+              <a14:hiddenFill xmlns="" xmlns:a14="http://schemas.microsoft.com/office/drawing/2010/main">
                 <a:solidFill>
                   <a:srgbClr val="FFFFFF"/>
                 </a:solidFill>
@@ -9055,7 +9055,7 @@
               </a:ln>
               <a:extLst>
                 <a:ext uri="{91240B29-F687-4f45-9708-019B960494DF}">
-                  <a14:hiddenLine xmlns:a14="http://schemas.microsoft.com/office/drawing/2010/main" xmlns="" w="9525">
+                  <a14:hiddenLine xmlns="" xmlns:a14="http://schemas.microsoft.com/office/drawing/2010/main" w="9525">
                     <a:solidFill>
                       <a:srgbClr val="000000"/>
                     </a:solidFill>
@@ -9145,7 +9145,7 @@
               </a:ln>
               <a:extLst>
                 <a:ext uri="{91240B29-F687-4f45-9708-019B960494DF}">
-                  <a14:hiddenLine xmlns:a14="http://schemas.microsoft.com/office/drawing/2010/main" xmlns="" w="9525">
+                  <a14:hiddenLine xmlns="" xmlns:a14="http://schemas.microsoft.com/office/drawing/2010/main" w="9525">
                     <a:solidFill>
                       <a:srgbClr val="000000"/>
                     </a:solidFill>
@@ -9235,7 +9235,7 @@
               </a:ln>
               <a:extLst>
                 <a:ext uri="{91240B29-F687-4f45-9708-019B960494DF}">
-                  <a14:hiddenLine xmlns:a14="http://schemas.microsoft.com/office/drawing/2010/main" xmlns="" w="9525">
+                  <a14:hiddenLine xmlns="" xmlns:a14="http://schemas.microsoft.com/office/drawing/2010/main" w="9525">
                     <a:solidFill>
                       <a:srgbClr val="000000"/>
                     </a:solidFill>
@@ -9297,7 +9297,7 @@
               </a:ln>
               <a:extLst>
                 <a:ext uri="{91240B29-F687-4f45-9708-019B960494DF}">
-                  <a14:hiddenLine xmlns:a14="http://schemas.microsoft.com/office/drawing/2010/main" xmlns="" w="9525">
+                  <a14:hiddenLine xmlns="" xmlns:a14="http://schemas.microsoft.com/office/drawing/2010/main" w="9525">
                     <a:solidFill>
                       <a:srgbClr val="000000"/>
                     </a:solidFill>
@@ -9387,7 +9387,7 @@
               </a:ln>
               <a:extLst>
                 <a:ext uri="{91240B29-F687-4f45-9708-019B960494DF}">
-                  <a14:hiddenLine xmlns:a14="http://schemas.microsoft.com/office/drawing/2010/main" xmlns="" w="9525">
+                  <a14:hiddenLine xmlns="" xmlns:a14="http://schemas.microsoft.com/office/drawing/2010/main" w="9525">
                     <a:solidFill>
                       <a:srgbClr val="000000"/>
                     </a:solidFill>
@@ -9449,7 +9449,7 @@
               </a:ln>
               <a:extLst>
                 <a:ext uri="{91240B29-F687-4f45-9708-019B960494DF}">
-                  <a14:hiddenLine xmlns:a14="http://schemas.microsoft.com/office/drawing/2010/main" xmlns="" w="9525">
+                  <a14:hiddenLine xmlns="" xmlns:a14="http://schemas.microsoft.com/office/drawing/2010/main" w="9525">
                     <a:solidFill>
                       <a:srgbClr val="000000"/>
                     </a:solidFill>
@@ -9511,7 +9511,7 @@
               </a:ln>
               <a:extLst>
                 <a:ext uri="{91240B29-F687-4f45-9708-019B960494DF}">
-                  <a14:hiddenLine xmlns:a14="http://schemas.microsoft.com/office/drawing/2010/main" xmlns="" w="9525">
+                  <a14:hiddenLine xmlns="" xmlns:a14="http://schemas.microsoft.com/office/drawing/2010/main" w="9525">
                     <a:solidFill>
                       <a:srgbClr val="000000"/>
                     </a:solidFill>
@@ -9601,7 +9601,7 @@
               </a:ln>
               <a:extLst>
                 <a:ext uri="{91240B29-F687-4f45-9708-019B960494DF}">
-                  <a14:hiddenLine xmlns:a14="http://schemas.microsoft.com/office/drawing/2010/main" xmlns="" w="9525">
+                  <a14:hiddenLine xmlns="" xmlns:a14="http://schemas.microsoft.com/office/drawing/2010/main" w="9525">
                     <a:solidFill>
                       <a:srgbClr val="000000"/>
                     </a:solidFill>
@@ -9691,7 +9691,7 @@
               </a:ln>
               <a:extLst>
                 <a:ext uri="{91240B29-F687-4f45-9708-019B960494DF}">
-                  <a14:hiddenLine xmlns:a14="http://schemas.microsoft.com/office/drawing/2010/main" xmlns="" w="9525">
+                  <a14:hiddenLine xmlns="" xmlns:a14="http://schemas.microsoft.com/office/drawing/2010/main" w="9525">
                     <a:solidFill>
                       <a:srgbClr val="000000"/>
                     </a:solidFill>
@@ -9753,7 +9753,7 @@
               </a:ln>
               <a:extLst>
                 <a:ext uri="{91240B29-F687-4f45-9708-019B960494DF}">
-                  <a14:hiddenLine xmlns:a14="http://schemas.microsoft.com/office/drawing/2010/main" xmlns="" w="9525">
+                  <a14:hiddenLine xmlns="" xmlns:a14="http://schemas.microsoft.com/office/drawing/2010/main" w="9525">
                     <a:solidFill>
                       <a:srgbClr val="000000"/>
                     </a:solidFill>
@@ -9863,7 +9863,7 @@
               </a:ln>
               <a:extLst>
                 <a:ext uri="{91240B29-F687-4f45-9708-019B960494DF}">
-                  <a14:hiddenLine xmlns:a14="http://schemas.microsoft.com/office/drawing/2010/main" xmlns="" w="9525">
+                  <a14:hiddenLine xmlns="" xmlns:a14="http://schemas.microsoft.com/office/drawing/2010/main" w="9525">
                     <a:solidFill>
                       <a:srgbClr val="000000"/>
                     </a:solidFill>
@@ -9947,7 +9947,7 @@
               </a:ln>
               <a:extLst>
                 <a:ext uri="{91240B29-F687-4f45-9708-019B960494DF}">
-                  <a14:hiddenLine xmlns:a14="http://schemas.microsoft.com/office/drawing/2010/main" xmlns="" w="9525">
+                  <a14:hiddenLine xmlns="" xmlns:a14="http://schemas.microsoft.com/office/drawing/2010/main" w="9525">
                     <a:solidFill>
                       <a:srgbClr val="000000"/>
                     </a:solidFill>
@@ -10009,7 +10009,7 @@
               </a:ln>
               <a:extLst>
                 <a:ext uri="{91240B29-F687-4f45-9708-019B960494DF}">
-                  <a14:hiddenLine xmlns:a14="http://schemas.microsoft.com/office/drawing/2010/main" xmlns="" w="9525">
+                  <a14:hiddenLine xmlns="" xmlns:a14="http://schemas.microsoft.com/office/drawing/2010/main" w="9525">
                     <a:solidFill>
                       <a:srgbClr val="000000"/>
                     </a:solidFill>
@@ -10071,7 +10071,7 @@
               </a:ln>
               <a:extLst>
                 <a:ext uri="{91240B29-F687-4f45-9708-019B960494DF}">
-                  <a14:hiddenLine xmlns:a14="http://schemas.microsoft.com/office/drawing/2010/main" xmlns="" w="9525">
+                  <a14:hiddenLine xmlns="" xmlns:a14="http://schemas.microsoft.com/office/drawing/2010/main" w="9525">
                     <a:solidFill>
                       <a:srgbClr val="000000"/>
                     </a:solidFill>
@@ -10161,7 +10161,7 @@
               </a:ln>
               <a:extLst>
                 <a:ext uri="{91240B29-F687-4f45-9708-019B960494DF}">
-                  <a14:hiddenLine xmlns:a14="http://schemas.microsoft.com/office/drawing/2010/main" xmlns="" w="9525">
+                  <a14:hiddenLine xmlns="" xmlns:a14="http://schemas.microsoft.com/office/drawing/2010/main" w="9525">
                     <a:solidFill>
                       <a:srgbClr val="000000"/>
                     </a:solidFill>
@@ -10195,7 +10195,7 @@
               </a:ln>
               <a:extLst>
                 <a:ext uri="{91240B29-F687-4f45-9708-019B960494DF}">
-                  <a14:hiddenLine xmlns:a14="http://schemas.microsoft.com/office/drawing/2010/main" xmlns="" w="9525">
+                  <a14:hiddenLine xmlns="" xmlns:a14="http://schemas.microsoft.com/office/drawing/2010/main" w="9525">
                     <a:solidFill>
                       <a:srgbClr val="000000"/>
                     </a:solidFill>
@@ -10260,7 +10260,7 @@
               </a:ln>
               <a:extLst>
                 <a:ext uri="{91240B29-F687-4f45-9708-019B960494DF}">
-                  <a14:hiddenLine xmlns:a14="http://schemas.microsoft.com/office/drawing/2010/main" xmlns="" w="9525">
+                  <a14:hiddenLine xmlns="" xmlns:a14="http://schemas.microsoft.com/office/drawing/2010/main" w="9525">
                     <a:solidFill>
                       <a:srgbClr val="000000"/>
                     </a:solidFill>
@@ -10350,7 +10350,7 @@
               </a:ln>
               <a:extLst>
                 <a:ext uri="{91240B29-F687-4f45-9708-019B960494DF}">
-                  <a14:hiddenLine xmlns:a14="http://schemas.microsoft.com/office/drawing/2010/main" xmlns="" w="9525">
+                  <a14:hiddenLine xmlns="" xmlns:a14="http://schemas.microsoft.com/office/drawing/2010/main" w="9525">
                     <a:solidFill>
                       <a:srgbClr val="000000"/>
                     </a:solidFill>
@@ -10412,7 +10412,7 @@
               </a:ln>
               <a:extLst>
                 <a:ext uri="{91240B29-F687-4f45-9708-019B960494DF}">
-                  <a14:hiddenLine xmlns:a14="http://schemas.microsoft.com/office/drawing/2010/main" xmlns="" w="9525">
+                  <a14:hiddenLine xmlns="" xmlns:a14="http://schemas.microsoft.com/office/drawing/2010/main" w="9525">
                     <a:solidFill>
                       <a:srgbClr val="000000"/>
                     </a:solidFill>
@@ -10502,7 +10502,7 @@
               </a:ln>
               <a:extLst>
                 <a:ext uri="{91240B29-F687-4f45-9708-019B960494DF}">
-                  <a14:hiddenLine xmlns:a14="http://schemas.microsoft.com/office/drawing/2010/main" xmlns="" w="9525">
+                  <a14:hiddenLine xmlns="" xmlns:a14="http://schemas.microsoft.com/office/drawing/2010/main" w="9525">
                     <a:solidFill>
                       <a:srgbClr val="000000"/>
                     </a:solidFill>
@@ -10567,7 +10567,7 @@
               </a:ln>
               <a:extLst>
                 <a:ext uri="{91240B29-F687-4f45-9708-019B960494DF}">
-                  <a14:hiddenLine xmlns:a14="http://schemas.microsoft.com/office/drawing/2010/main" xmlns="" w="9525">
+                  <a14:hiddenLine xmlns="" xmlns:a14="http://schemas.microsoft.com/office/drawing/2010/main" w="9525">
                     <a:solidFill>
                       <a:srgbClr val="000000"/>
                     </a:solidFill>
@@ -10629,7 +10629,7 @@
               </a:ln>
               <a:extLst>
                 <a:ext uri="{91240B29-F687-4f45-9708-019B960494DF}">
-                  <a14:hiddenLine xmlns:a14="http://schemas.microsoft.com/office/drawing/2010/main" xmlns="" w="9525">
+                  <a14:hiddenLine xmlns="" xmlns:a14="http://schemas.microsoft.com/office/drawing/2010/main" w="9525">
                     <a:solidFill>
                       <a:srgbClr val="000000"/>
                     </a:solidFill>
@@ -10719,7 +10719,7 @@
               </a:ln>
               <a:extLst>
                 <a:ext uri="{91240B29-F687-4f45-9708-019B960494DF}">
-                  <a14:hiddenLine xmlns:a14="http://schemas.microsoft.com/office/drawing/2010/main" xmlns="" w="9525">
+                  <a14:hiddenLine xmlns="" xmlns:a14="http://schemas.microsoft.com/office/drawing/2010/main" w="9525">
                     <a:solidFill>
                       <a:srgbClr val="000000"/>
                     </a:solidFill>
@@ -10809,7 +10809,7 @@
               </a:ln>
               <a:extLst>
                 <a:ext uri="{91240B29-F687-4f45-9708-019B960494DF}">
-                  <a14:hiddenLine xmlns:a14="http://schemas.microsoft.com/office/drawing/2010/main" xmlns="" w="9525">
+                  <a14:hiddenLine xmlns="" xmlns:a14="http://schemas.microsoft.com/office/drawing/2010/main" w="9525">
                     <a:solidFill>
                       <a:srgbClr val="000000"/>
                     </a:solidFill>
@@ -10874,7 +10874,7 @@
               </a:ln>
               <a:extLst>
                 <a:ext uri="{91240B29-F687-4f45-9708-019B960494DF}">
-                  <a14:hiddenLine xmlns:a14="http://schemas.microsoft.com/office/drawing/2010/main" xmlns="" w="9525">
+                  <a14:hiddenLine xmlns="" xmlns:a14="http://schemas.microsoft.com/office/drawing/2010/main" w="9525">
                     <a:solidFill>
                       <a:srgbClr val="000000"/>
                     </a:solidFill>
@@ -10994,7 +10994,7 @@
               </a:ln>
               <a:extLst>
                 <a:ext uri="{91240B29-F687-4f45-9708-019B960494DF}">
-                  <a14:hiddenLine xmlns:a14="http://schemas.microsoft.com/office/drawing/2010/main" xmlns="" w="9525">
+                  <a14:hiddenLine xmlns="" xmlns:a14="http://schemas.microsoft.com/office/drawing/2010/main" w="9525">
                     <a:solidFill>
                       <a:srgbClr val="000000"/>
                     </a:solidFill>
@@ -11092,7 +11092,7 @@
               </a:ln>
               <a:extLst>
                 <a:ext uri="{91240B29-F687-4f45-9708-019B960494DF}">
-                  <a14:hiddenLine xmlns:a14="http://schemas.microsoft.com/office/drawing/2010/main" xmlns="" w="9525">
+                  <a14:hiddenLine xmlns="" xmlns:a14="http://schemas.microsoft.com/office/drawing/2010/main" w="9525">
                     <a:solidFill>
                       <a:srgbClr val="000000"/>
                     </a:solidFill>
@@ -11207,7 +11207,7 @@
               </a:ln>
               <a:extLst>
                 <a:ext uri="{91240B29-F687-4f45-9708-019B960494DF}">
-                  <a14:hiddenLine xmlns:a14="http://schemas.microsoft.com/office/drawing/2010/main" xmlns="" w="9525">
+                  <a14:hiddenLine xmlns="" xmlns:a14="http://schemas.microsoft.com/office/drawing/2010/main" w="9525">
                     <a:solidFill>
                       <a:srgbClr val="000000"/>
                     </a:solidFill>
@@ -11297,7 +11297,7 @@
               </a:ln>
               <a:extLst>
                 <a:ext uri="{91240B29-F687-4f45-9708-019B960494DF}">
-                  <a14:hiddenLine xmlns:a14="http://schemas.microsoft.com/office/drawing/2010/main" xmlns="" w="9525">
+                  <a14:hiddenLine xmlns="" xmlns:a14="http://schemas.microsoft.com/office/drawing/2010/main" w="9525">
                     <a:solidFill>
                       <a:srgbClr val="000000"/>
                     </a:solidFill>
@@ -11362,7 +11362,7 @@
               </a:ln>
               <a:extLst>
                 <a:ext uri="{91240B29-F687-4f45-9708-019B960494DF}">
-                  <a14:hiddenLine xmlns:a14="http://schemas.microsoft.com/office/drawing/2010/main" xmlns="" w="9525">
+                  <a14:hiddenLine xmlns="" xmlns:a14="http://schemas.microsoft.com/office/drawing/2010/main" w="9525">
                     <a:solidFill>
                       <a:srgbClr val="000000"/>
                     </a:solidFill>
@@ -11452,7 +11452,7 @@
               </a:ln>
               <a:extLst>
                 <a:ext uri="{91240B29-F687-4f45-9708-019B960494DF}">
-                  <a14:hiddenLine xmlns:a14="http://schemas.microsoft.com/office/drawing/2010/main" xmlns="" w="9525">
+                  <a14:hiddenLine xmlns="" xmlns:a14="http://schemas.microsoft.com/office/drawing/2010/main" w="9525">
                     <a:solidFill>
                       <a:srgbClr val="000000"/>
                     </a:solidFill>
@@ -11520,7 +11520,7 @@
               </a:ln>
               <a:extLst>
                 <a:ext uri="{91240B29-F687-4f45-9708-019B960494DF}">
-                  <a14:hiddenLine xmlns:a14="http://schemas.microsoft.com/office/drawing/2010/main" xmlns="" w="9525">
+                  <a14:hiddenLine xmlns="" xmlns:a14="http://schemas.microsoft.com/office/drawing/2010/main" w="9525">
                     <a:solidFill>
                       <a:srgbClr val="000000"/>
                     </a:solidFill>
@@ -11610,7 +11610,7 @@
               </a:ln>
               <a:extLst>
                 <a:ext uri="{91240B29-F687-4f45-9708-019B960494DF}">
-                  <a14:hiddenLine xmlns:a14="http://schemas.microsoft.com/office/drawing/2010/main" xmlns="" w="9525">
+                  <a14:hiddenLine xmlns="" xmlns:a14="http://schemas.microsoft.com/office/drawing/2010/main" w="9525">
                     <a:solidFill>
                       <a:srgbClr val="000000"/>
                     </a:solidFill>
@@ -11678,7 +11678,7 @@
               </a:ln>
               <a:extLst>
                 <a:ext uri="{91240B29-F687-4f45-9708-019B960494DF}">
-                  <a14:hiddenLine xmlns:a14="http://schemas.microsoft.com/office/drawing/2010/main" xmlns="" w="9525">
+                  <a14:hiddenLine xmlns="" xmlns:a14="http://schemas.microsoft.com/office/drawing/2010/main" w="9525">
                     <a:solidFill>
                       <a:srgbClr val="000000"/>
                     </a:solidFill>
@@ -11768,7 +11768,7 @@
               </a:ln>
               <a:extLst>
                 <a:ext uri="{91240B29-F687-4f45-9708-019B960494DF}">
-                  <a14:hiddenLine xmlns:a14="http://schemas.microsoft.com/office/drawing/2010/main" xmlns="" w="9525">
+                  <a14:hiddenLine xmlns="" xmlns:a14="http://schemas.microsoft.com/office/drawing/2010/main" w="9525">
                     <a:solidFill>
                       <a:srgbClr val="000000"/>
                     </a:solidFill>
@@ -11802,7 +11802,7 @@
               </a:ln>
               <a:extLst>
                 <a:ext uri="{91240B29-F687-4f45-9708-019B960494DF}">
-                  <a14:hiddenLine xmlns:a14="http://schemas.microsoft.com/office/drawing/2010/main" xmlns="" w="9525">
+                  <a14:hiddenLine xmlns="" xmlns:a14="http://schemas.microsoft.com/office/drawing/2010/main" w="9525">
                     <a:solidFill>
                       <a:srgbClr val="000000"/>
                     </a:solidFill>
@@ -12381,11 +12381,18 @@
           <a:p>
             <a:pPr algn="ctr"/>
             <a:r>
+              <a:rPr lang="en-US" dirty="0" smtClean="0">
+                <a:latin typeface="Times New Roman" panose="02020603050405020304" pitchFamily="18" charset="0"/>
+                <a:cs typeface="Times New Roman" panose="02020603050405020304" pitchFamily="18" charset="0"/>
+              </a:rPr>
+              <a:t>ứng </a:t>
+            </a:r>
+            <a:r>
               <a:rPr lang="en-US" dirty="0">
                 <a:latin typeface="Times New Roman" panose="02020603050405020304" pitchFamily="18" charset="0"/>
                 <a:cs typeface="Times New Roman" panose="02020603050405020304" pitchFamily="18" charset="0"/>
               </a:rPr>
-              <a:t>Xây dựng ứng dụng </a:t>
+              <a:t>dụng </a:t>
             </a:r>
             <a:r>
               <a:rPr lang="en-US" dirty="0" smtClean="0">
@@ -12846,21 +12853,7 @@
                 <a:latin typeface="Times New Roman" panose="02020603050405020304" pitchFamily="18" charset="0"/>
                 <a:cs typeface="Times New Roman" panose="02020603050405020304" pitchFamily="18" charset="0"/>
               </a:rPr>
-              <a:t>Dữ </a:t>
-            </a:r>
-            <a:r>
-              <a:rPr lang="en-US" dirty="0" smtClean="0">
-                <a:latin typeface="Times New Roman" panose="02020603050405020304" pitchFamily="18" charset="0"/>
-                <a:cs typeface="Times New Roman" panose="02020603050405020304" pitchFamily="18" charset="0"/>
-              </a:rPr>
-              <a:t>liỆu </a:t>
-            </a:r>
-            <a:r>
-              <a:rPr lang="en-US" dirty="0" smtClean="0">
-                <a:latin typeface="Times New Roman" panose="02020603050405020304" pitchFamily="18" charset="0"/>
-                <a:cs typeface="Times New Roman" panose="02020603050405020304" pitchFamily="18" charset="0"/>
-              </a:rPr>
-              <a:t>thô</a:t>
+              <a:t>Dữ liỆu thô</a:t>
             </a:r>
             <a:endParaRPr lang="en-US" dirty="0">
               <a:latin typeface="Times New Roman" panose="02020603050405020304" pitchFamily="18" charset="0"/>
